--- a/presentations/Updates 6-3-20.pptx
+++ b/presentations/Updates 6-3-20.pptx
@@ -26,7 +26,9 @@
     <p:sldId id="281" r:id="rId20"/>
     <p:sldId id="276" r:id="rId21"/>
     <p:sldId id="279" r:id="rId22"/>
-    <p:sldId id="266" r:id="rId23"/>
+    <p:sldId id="282" r:id="rId23"/>
+    <p:sldId id="283" r:id="rId24"/>
+    <p:sldId id="266" r:id="rId25"/>
   </p:sldIdLst>
   <p:sldSz cx="12192000" cy="6858000"/>
   <p:notesSz cx="6858000" cy="9144000"/>
@@ -131,7 +133,7 @@
 <file path=ppt/revisionInfo.xml><?xml version="1.0" encoding="utf-8"?>
 <p1510:revInfo xmlns:a="http://schemas.openxmlformats.org/drawingml/2006/main" xmlns:r="http://schemas.openxmlformats.org/officeDocument/2006/relationships" xmlns:p1510="http://schemas.microsoft.com/office/powerpoint/2015/10/main">
   <p1510:revLst>
-    <p1510:client id="{C41FC83B-101A-874F-8D82-2E6A66D9E8E7}" v="43" dt="2020-06-04T06:03:25.934"/>
+    <p1510:client id="{C41FC83B-101A-874F-8D82-2E6A66D9E8E7}" v="158" dt="2020-06-04T09:09:41.364"/>
   </p1510:revLst>
 </p1510:revInfo>
 </file>
@@ -2648,8 +2650,8 @@
             </a:lnSpc>
           </a:pPr>
           <a:r>
-            <a:rPr lang="en-US" dirty="0"/>
-            <a:t>SL optimization plots</a:t>
+            <a:rPr lang="en-US"/>
+            <a:t>Updated SL optimization plots</a:t>
           </a:r>
         </a:p>
       </dgm:t>
@@ -2690,7 +2692,7 @@
           </a:pPr>
           <a:r>
             <a:rPr lang="en-US"/>
-            <a:t>BL optimization plots</a:t>
+            <a:t>Updated BL optimization plots</a:t>
           </a:r>
         </a:p>
       </dgm:t>
@@ -2731,7 +2733,7 @@
           </a:pPr>
           <a:r>
             <a:rPr lang="en-US"/>
-            <a:t>Results for Rcmin/Rcmax</a:t>
+            <a:t>Table of parameters</a:t>
           </a:r>
         </a:p>
       </dgm:t>
@@ -2772,7 +2774,7 @@
           </a:pPr>
           <a:r>
             <a:rPr lang="en-US"/>
-            <a:t>Paper Edits</a:t>
+            <a:t>New ISPP Plot</a:t>
           </a:r>
         </a:p>
       </dgm:t>
@@ -2799,7 +2801,89 @@
         </a:p>
       </dgm:t>
     </dgm:pt>
-    <dgm:pt modelId="{0F2729F0-CEB3-4F26-B1F2-4FD3EC72694E}" type="pres">
+    <dgm:pt modelId="{356E7937-4A33-C345-85DE-D61190EC7E5C}">
+      <dgm:prSet/>
+      <dgm:spPr/>
+      <dgm:t>
+        <a:bodyPr/>
+        <a:lstStyle/>
+        <a:p>
+          <a:pPr>
+            <a:lnSpc>
+              <a:spcPct val="100000"/>
+            </a:lnSpc>
+          </a:pPr>
+          <a:r>
+            <a:rPr lang="en-US"/>
+            <a:t>BER Plot</a:t>
+          </a:r>
+        </a:p>
+      </dgm:t>
+    </dgm:pt>
+    <dgm:pt modelId="{25C7B72D-E3C3-FA49-A3E1-A041B23A40DB}" type="parTrans" cxnId="{A878F251-1317-3749-A95E-253840AB0E07}">
+      <dgm:prSet/>
+      <dgm:spPr/>
+      <dgm:t>
+        <a:bodyPr/>
+        <a:lstStyle/>
+        <a:p>
+          <a:endParaRPr lang="en-US"/>
+        </a:p>
+      </dgm:t>
+    </dgm:pt>
+    <dgm:pt modelId="{4A432539-EA86-5C4C-8A62-B8F2E3F2B0E6}" type="sibTrans" cxnId="{A878F251-1317-3749-A95E-253840AB0E07}">
+      <dgm:prSet/>
+      <dgm:spPr/>
+      <dgm:t>
+        <a:bodyPr/>
+        <a:lstStyle/>
+        <a:p>
+          <a:endParaRPr lang="en-US"/>
+        </a:p>
+      </dgm:t>
+    </dgm:pt>
+    <dgm:pt modelId="{0A1866CB-BF9B-EE45-9BDB-63E1BB0146B9}">
+      <dgm:prSet/>
+      <dgm:spPr/>
+      <dgm:t>
+        <a:bodyPr/>
+        <a:lstStyle/>
+        <a:p>
+          <a:pPr>
+            <a:lnSpc>
+              <a:spcPct val="100000"/>
+            </a:lnSpc>
+          </a:pPr>
+          <a:r>
+            <a:rPr lang="en-US"/>
+            <a:t>New Sweep Plots</a:t>
+          </a:r>
+        </a:p>
+      </dgm:t>
+    </dgm:pt>
+    <dgm:pt modelId="{B92607F9-648E-3F46-B9DB-9D0208CBC6E2}" type="parTrans" cxnId="{0E20A5A3-075E-5349-B03C-24AC4670DC6C}">
+      <dgm:prSet/>
+      <dgm:spPr/>
+      <dgm:t>
+        <a:bodyPr/>
+        <a:lstStyle/>
+        <a:p>
+          <a:endParaRPr lang="en-US"/>
+        </a:p>
+      </dgm:t>
+    </dgm:pt>
+    <dgm:pt modelId="{6D21D075-85DE-8740-B488-51ABFF7CD686}" type="sibTrans" cxnId="{0E20A5A3-075E-5349-B03C-24AC4670DC6C}">
+      <dgm:prSet/>
+      <dgm:spPr/>
+      <dgm:t>
+        <a:bodyPr/>
+        <a:lstStyle/>
+        <a:p>
+          <a:endParaRPr lang="en-US"/>
+        </a:p>
+      </dgm:t>
+    </dgm:pt>
+    <dgm:pt modelId="{C3B931DE-5B89-4D66-A1BF-74C9CC9A8D08}" type="pres">
       <dgm:prSet presAssocID="{1EABF7DF-EFAA-4503-8685-9247D4B6CA47}" presName="root" presStyleCnt="0">
         <dgm:presLayoutVars>
           <dgm:dir/>
@@ -2808,16 +2892,16 @@
       </dgm:prSet>
       <dgm:spPr/>
     </dgm:pt>
-    <dgm:pt modelId="{0DFEC719-D32F-4C2C-B036-8C42F78BEE54}" type="pres">
+    <dgm:pt modelId="{9CC13B5B-9D16-4B12-985A-93E574D07304}" type="pres">
       <dgm:prSet presAssocID="{19F60556-81F0-4DAC-BCA8-6689A5E55CF9}" presName="compNode" presStyleCnt="0"/>
       <dgm:spPr/>
     </dgm:pt>
-    <dgm:pt modelId="{B7D64549-29AE-454D-8A60-F3C3528B9C47}" type="pres">
-      <dgm:prSet presAssocID="{19F60556-81F0-4DAC-BCA8-6689A5E55CF9}" presName="bgRect" presStyleLbl="bgShp" presStyleIdx="0" presStyleCnt="4"/>
+    <dgm:pt modelId="{32F0127A-0D1B-4792-9A06-7E0C010EC2C6}" type="pres">
+      <dgm:prSet presAssocID="{19F60556-81F0-4DAC-BCA8-6689A5E55CF9}" presName="bgRect" presStyleLbl="bgShp" presStyleIdx="0" presStyleCnt="6"/>
       <dgm:spPr/>
     </dgm:pt>
-    <dgm:pt modelId="{A7E2CC4B-7856-4E21-A198-64778B939862}" type="pres">
-      <dgm:prSet presAssocID="{19F60556-81F0-4DAC-BCA8-6689A5E55CF9}" presName="iconRect" presStyleLbl="node1" presStyleIdx="0" presStyleCnt="4"/>
+    <dgm:pt modelId="{9ECD864A-26A7-4DAB-83E8-79909CA4F91C}" type="pres">
+      <dgm:prSet presAssocID="{19F60556-81F0-4DAC-BCA8-6689A5E55CF9}" presName="iconRect" presStyleLbl="node1" presStyleIdx="0" presStyleCnt="6"/>
       <dgm:spPr>
         <a:blipFill>
           <a:blip xmlns:r="http://schemas.openxmlformats.org/officeDocument/2006/relationships" r:embed="rId1">
@@ -2827,59 +2911,6 @@
               </a:ext>
               <a:ext uri="{96DAC541-7B7A-43D3-8B79-37D633B846F1}">
                 <asvg:svgBlip xmlns:asvg="http://schemas.microsoft.com/office/drawing/2016/SVG/main" r:embed="rId2"/>
-              </a:ext>
-            </a:extLst>
-          </a:blip>
-          <a:stretch>
-            <a:fillRect/>
-          </a:stretch>
-        </a:blipFill>
-        <a:ln>
-          <a:noFill/>
-        </a:ln>
-      </dgm:spPr>
-      <dgm:extLst>
-        <a:ext uri="{E40237B7-FDA0-4F09-8148-C483321AD2D9}">
-          <dgm14:cNvPr xmlns:dgm14="http://schemas.microsoft.com/office/drawing/2010/diagram" id="0" name="" descr="Gears"/>
-        </a:ext>
-      </dgm:extLst>
-    </dgm:pt>
-    <dgm:pt modelId="{96611C2D-192D-429C-A276-E72437B98D01}" type="pres">
-      <dgm:prSet presAssocID="{19F60556-81F0-4DAC-BCA8-6689A5E55CF9}" presName="spaceRect" presStyleCnt="0"/>
-      <dgm:spPr/>
-    </dgm:pt>
-    <dgm:pt modelId="{780A3F9C-D5EF-430C-8424-09F1A2147228}" type="pres">
-      <dgm:prSet presAssocID="{19F60556-81F0-4DAC-BCA8-6689A5E55CF9}" presName="parTx" presStyleLbl="revTx" presStyleIdx="0" presStyleCnt="4">
-        <dgm:presLayoutVars>
-          <dgm:chMax val="0"/>
-          <dgm:chPref val="0"/>
-        </dgm:presLayoutVars>
-      </dgm:prSet>
-      <dgm:spPr/>
-    </dgm:pt>
-    <dgm:pt modelId="{8C0290E0-A6C5-42FE-A65C-403425BF7C64}" type="pres">
-      <dgm:prSet presAssocID="{F175A918-1FC9-47A7-ACB2-8F76DBF1B7CD}" presName="sibTrans" presStyleCnt="0"/>
-      <dgm:spPr/>
-    </dgm:pt>
-    <dgm:pt modelId="{43078C91-7032-451A-809C-F9A06D99717A}" type="pres">
-      <dgm:prSet presAssocID="{377F17D5-117C-4860-A55D-0FB491469EC4}" presName="compNode" presStyleCnt="0"/>
-      <dgm:spPr/>
-    </dgm:pt>
-    <dgm:pt modelId="{D43625E1-CF02-4C9C-B077-FCC8DC3E3300}" type="pres">
-      <dgm:prSet presAssocID="{377F17D5-117C-4860-A55D-0FB491469EC4}" presName="bgRect" presStyleLbl="bgShp" presStyleIdx="1" presStyleCnt="4"/>
-      <dgm:spPr/>
-    </dgm:pt>
-    <dgm:pt modelId="{441F9986-36E7-439D-B05F-70C87C8B718C}" type="pres">
-      <dgm:prSet presAssocID="{377F17D5-117C-4860-A55D-0FB491469EC4}" presName="iconRect" presStyleLbl="node1" presStyleIdx="1" presStyleCnt="4"/>
-      <dgm:spPr>
-        <a:blipFill>
-          <a:blip xmlns:r="http://schemas.openxmlformats.org/officeDocument/2006/relationships" r:embed="rId3">
-            <a:extLst>
-              <a:ext uri="{28A0092B-C50C-407E-A947-70E740481C1C}">
-                <a14:useLocalDpi xmlns:a14="http://schemas.microsoft.com/office/drawing/2010/main" val="0"/>
-              </a:ext>
-              <a:ext uri="{96DAC541-7B7A-43D3-8B79-37D633B846F1}">
-                <asvg:svgBlip xmlns:asvg="http://schemas.microsoft.com/office/drawing/2016/SVG/main" r:embed="rId4"/>
               </a:ext>
             </a:extLst>
           </a:blip>
@@ -2897,12 +2928,12 @@
         </a:ext>
       </dgm:extLst>
     </dgm:pt>
-    <dgm:pt modelId="{C4F3083A-82D1-450D-AC62-501EF9AB1309}" type="pres">
-      <dgm:prSet presAssocID="{377F17D5-117C-4860-A55D-0FB491469EC4}" presName="spaceRect" presStyleCnt="0"/>
+    <dgm:pt modelId="{EB162CB3-F14C-49B6-BAA1-28B3A20C16EA}" type="pres">
+      <dgm:prSet presAssocID="{19F60556-81F0-4DAC-BCA8-6689A5E55CF9}" presName="spaceRect" presStyleCnt="0"/>
       <dgm:spPr/>
     </dgm:pt>
-    <dgm:pt modelId="{CA93321B-7CA0-4574-9C09-9A909D31DAB9}" type="pres">
-      <dgm:prSet presAssocID="{377F17D5-117C-4860-A55D-0FB491469EC4}" presName="parTx" presStyleLbl="revTx" presStyleIdx="1" presStyleCnt="4">
+    <dgm:pt modelId="{AFEC0604-B9E1-4CB5-8670-E865DF061789}" type="pres">
+      <dgm:prSet presAssocID="{19F60556-81F0-4DAC-BCA8-6689A5E55CF9}" presName="parTx" presStyleLbl="revTx" presStyleIdx="0" presStyleCnt="6">
         <dgm:presLayoutVars>
           <dgm:chMax val="0"/>
           <dgm:chPref val="0"/>
@@ -2910,29 +2941,29 @@
       </dgm:prSet>
       <dgm:spPr/>
     </dgm:pt>
-    <dgm:pt modelId="{B9CA7A57-64A2-40F8-991C-B65FC2D899DC}" type="pres">
-      <dgm:prSet presAssocID="{B32307AC-D959-4E40-856D-A0179BCF6AAD}" presName="sibTrans" presStyleCnt="0"/>
+    <dgm:pt modelId="{5E90F139-EB15-4162-A89D-7105F8BD8AE8}" type="pres">
+      <dgm:prSet presAssocID="{F175A918-1FC9-47A7-ACB2-8F76DBF1B7CD}" presName="sibTrans" presStyleCnt="0"/>
       <dgm:spPr/>
     </dgm:pt>
-    <dgm:pt modelId="{3C461182-2DC5-465D-B66B-BA3CDCB58670}" type="pres">
-      <dgm:prSet presAssocID="{6E6F6252-484B-4C04-BA57-DD304A1B5F0E}" presName="compNode" presStyleCnt="0"/>
+    <dgm:pt modelId="{4489C363-A005-4326-9C8F-9223BEC1BD96}" type="pres">
+      <dgm:prSet presAssocID="{377F17D5-117C-4860-A55D-0FB491469EC4}" presName="compNode" presStyleCnt="0"/>
       <dgm:spPr/>
     </dgm:pt>
-    <dgm:pt modelId="{6444F321-473C-41E0-85C1-0281271FAAB1}" type="pres">
-      <dgm:prSet presAssocID="{6E6F6252-484B-4C04-BA57-DD304A1B5F0E}" presName="bgRect" presStyleLbl="bgShp" presStyleIdx="2" presStyleCnt="4"/>
+    <dgm:pt modelId="{A61E65B7-AB9D-41A1-9969-08DEB62F4D25}" type="pres">
+      <dgm:prSet presAssocID="{377F17D5-117C-4860-A55D-0FB491469EC4}" presName="bgRect" presStyleLbl="bgShp" presStyleIdx="1" presStyleCnt="6"/>
       <dgm:spPr/>
     </dgm:pt>
-    <dgm:pt modelId="{006B13E9-6437-4FF2-BC16-6EA1EF76B394}" type="pres">
-      <dgm:prSet presAssocID="{6E6F6252-484B-4C04-BA57-DD304A1B5F0E}" presName="iconRect" presStyleLbl="node1" presStyleIdx="2" presStyleCnt="4"/>
+    <dgm:pt modelId="{5DB28F19-A5AB-4D48-AD51-B8F020C794F6}" type="pres">
+      <dgm:prSet presAssocID="{377F17D5-117C-4860-A55D-0FB491469EC4}" presName="iconRect" presStyleLbl="node1" presStyleIdx="1" presStyleCnt="6"/>
       <dgm:spPr>
         <a:blipFill>
-          <a:blip xmlns:r="http://schemas.openxmlformats.org/officeDocument/2006/relationships" r:embed="rId5">
+          <a:blip xmlns:r="http://schemas.openxmlformats.org/officeDocument/2006/relationships" r:embed="rId3">
             <a:extLst>
               <a:ext uri="{28A0092B-C50C-407E-A947-70E740481C1C}">
                 <a14:useLocalDpi xmlns:a14="http://schemas.microsoft.com/office/drawing/2010/main" val="0"/>
               </a:ext>
               <a:ext uri="{96DAC541-7B7A-43D3-8B79-37D633B846F1}">
-                <asvg:svgBlip xmlns:asvg="http://schemas.microsoft.com/office/drawing/2016/SVG/main" r:embed="rId6"/>
+                <asvg:svgBlip xmlns:asvg="http://schemas.microsoft.com/office/drawing/2016/SVG/main" r:embed="rId4"/>
               </a:ext>
             </a:extLst>
           </a:blip>
@@ -2946,16 +2977,16 @@
       </dgm:spPr>
       <dgm:extLst>
         <a:ext uri="{E40237B7-FDA0-4F09-8148-C483321AD2D9}">
-          <dgm14:cNvPr xmlns:dgm14="http://schemas.microsoft.com/office/drawing/2010/diagram" id="0" name="" descr="Skeleton"/>
+          <dgm14:cNvPr xmlns:dgm14="http://schemas.microsoft.com/office/drawing/2010/diagram" id="0" name="" descr="Close"/>
         </a:ext>
       </dgm:extLst>
     </dgm:pt>
-    <dgm:pt modelId="{997DABE1-07D1-4E5F-89E5-FDD3021BA503}" type="pres">
-      <dgm:prSet presAssocID="{6E6F6252-484B-4C04-BA57-DD304A1B5F0E}" presName="spaceRect" presStyleCnt="0"/>
+    <dgm:pt modelId="{2E5F9FEA-A300-49E1-9488-CEACADECF8AF}" type="pres">
+      <dgm:prSet presAssocID="{377F17D5-117C-4860-A55D-0FB491469EC4}" presName="spaceRect" presStyleCnt="0"/>
       <dgm:spPr/>
     </dgm:pt>
-    <dgm:pt modelId="{2CF8D2B5-E556-454B-A445-B0BE62633C4B}" type="pres">
-      <dgm:prSet presAssocID="{6E6F6252-484B-4C04-BA57-DD304A1B5F0E}" presName="parTx" presStyleLbl="revTx" presStyleIdx="2" presStyleCnt="4">
+    <dgm:pt modelId="{91F32D89-AA7C-4E0C-AFE9-62EC4D0ED0AC}" type="pres">
+      <dgm:prSet presAssocID="{377F17D5-117C-4860-A55D-0FB491469EC4}" presName="parTx" presStyleLbl="revTx" presStyleIdx="1" presStyleCnt="6">
         <dgm:presLayoutVars>
           <dgm:chMax val="0"/>
           <dgm:chPref val="0"/>
@@ -2963,29 +2994,29 @@
       </dgm:prSet>
       <dgm:spPr/>
     </dgm:pt>
-    <dgm:pt modelId="{DE2FA2C4-1506-4753-A92D-CE1BCE5DF040}" type="pres">
-      <dgm:prSet presAssocID="{B13CE2E6-83FB-4B98-8F85-BAAF90AF3C2A}" presName="sibTrans" presStyleCnt="0"/>
+    <dgm:pt modelId="{ABAC8932-6B4A-4EB1-9081-B49D1EE181A0}" type="pres">
+      <dgm:prSet presAssocID="{B32307AC-D959-4E40-856D-A0179BCF6AAD}" presName="sibTrans" presStyleCnt="0"/>
       <dgm:spPr/>
     </dgm:pt>
-    <dgm:pt modelId="{485D57B8-ADE8-4234-B608-ECA6F6FD4B7B}" type="pres">
-      <dgm:prSet presAssocID="{CB14D6AF-CE1B-A44C-AD91-E331484035F8}" presName="compNode" presStyleCnt="0"/>
+    <dgm:pt modelId="{C5E69B94-F804-46CD-9D36-01AD77484738}" type="pres">
+      <dgm:prSet presAssocID="{6E6F6252-484B-4C04-BA57-DD304A1B5F0E}" presName="compNode" presStyleCnt="0"/>
       <dgm:spPr/>
     </dgm:pt>
-    <dgm:pt modelId="{40D8CA6A-715B-403D-BB24-087B2BE879C4}" type="pres">
-      <dgm:prSet presAssocID="{CB14D6AF-CE1B-A44C-AD91-E331484035F8}" presName="bgRect" presStyleLbl="bgShp" presStyleIdx="3" presStyleCnt="4"/>
+    <dgm:pt modelId="{6B4F616B-E215-43DF-9228-93D8978A897C}" type="pres">
+      <dgm:prSet presAssocID="{6E6F6252-484B-4C04-BA57-DD304A1B5F0E}" presName="bgRect" presStyleLbl="bgShp" presStyleIdx="2" presStyleCnt="6"/>
       <dgm:spPr/>
     </dgm:pt>
-    <dgm:pt modelId="{BEA4DC75-266E-47C0-8654-073ACCAFA261}" type="pres">
-      <dgm:prSet presAssocID="{CB14D6AF-CE1B-A44C-AD91-E331484035F8}" presName="iconRect" presStyleLbl="node1" presStyleIdx="3" presStyleCnt="4"/>
+    <dgm:pt modelId="{C7100D16-8DA4-46E4-B7A3-4C208061C410}" type="pres">
+      <dgm:prSet presAssocID="{6E6F6252-484B-4C04-BA57-DD304A1B5F0E}" presName="iconRect" presStyleLbl="node1" presStyleIdx="2" presStyleCnt="6"/>
       <dgm:spPr>
         <a:blipFill>
-          <a:blip xmlns:r="http://schemas.openxmlformats.org/officeDocument/2006/relationships" r:embed="rId7">
+          <a:blip xmlns:r="http://schemas.openxmlformats.org/officeDocument/2006/relationships" r:embed="rId5">
             <a:extLst>
               <a:ext uri="{28A0092B-C50C-407E-A947-70E740481C1C}">
                 <a14:useLocalDpi xmlns:a14="http://schemas.microsoft.com/office/drawing/2010/main" val="0"/>
               </a:ext>
               <a:ext uri="{96DAC541-7B7A-43D3-8B79-37D633B846F1}">
-                <asvg:svgBlip xmlns:asvg="http://schemas.microsoft.com/office/drawing/2016/SVG/main" r:embed="rId8"/>
+                <asvg:svgBlip xmlns:asvg="http://schemas.microsoft.com/office/drawing/2016/SVG/main" r:embed="rId6"/>
               </a:ext>
             </a:extLst>
           </a:blip>
@@ -2999,16 +3030,175 @@
       </dgm:spPr>
       <dgm:extLst>
         <a:ext uri="{E40237B7-FDA0-4F09-8148-C483321AD2D9}">
-          <dgm14:cNvPr xmlns:dgm14="http://schemas.microsoft.com/office/drawing/2010/diagram" id="0" name="" descr="Document"/>
+          <dgm14:cNvPr xmlns:dgm14="http://schemas.microsoft.com/office/drawing/2010/diagram" id="0" name="" descr="List"/>
         </a:ext>
       </dgm:extLst>
     </dgm:pt>
-    <dgm:pt modelId="{E848DE52-A672-46BE-B83C-4AE8014CBF97}" type="pres">
+    <dgm:pt modelId="{AB0DEE55-0365-41AD-9A81-B79487602EC7}" type="pres">
+      <dgm:prSet presAssocID="{6E6F6252-484B-4C04-BA57-DD304A1B5F0E}" presName="spaceRect" presStyleCnt="0"/>
+      <dgm:spPr/>
+    </dgm:pt>
+    <dgm:pt modelId="{0936696B-5331-4842-BB4B-8FB357DEF80B}" type="pres">
+      <dgm:prSet presAssocID="{6E6F6252-484B-4C04-BA57-DD304A1B5F0E}" presName="parTx" presStyleLbl="revTx" presStyleIdx="2" presStyleCnt="6">
+        <dgm:presLayoutVars>
+          <dgm:chMax val="0"/>
+          <dgm:chPref val="0"/>
+        </dgm:presLayoutVars>
+      </dgm:prSet>
+      <dgm:spPr/>
+    </dgm:pt>
+    <dgm:pt modelId="{8B547BB8-D930-4A35-ABC8-3036594F2F76}" type="pres">
+      <dgm:prSet presAssocID="{B13CE2E6-83FB-4B98-8F85-BAAF90AF3C2A}" presName="sibTrans" presStyleCnt="0"/>
+      <dgm:spPr/>
+    </dgm:pt>
+    <dgm:pt modelId="{82745398-B819-42F7-9844-15722026349C}" type="pres">
+      <dgm:prSet presAssocID="{CB14D6AF-CE1B-A44C-AD91-E331484035F8}" presName="compNode" presStyleCnt="0"/>
+      <dgm:spPr/>
+    </dgm:pt>
+    <dgm:pt modelId="{FE44285B-0627-4297-B0B4-86109B853601}" type="pres">
+      <dgm:prSet presAssocID="{CB14D6AF-CE1B-A44C-AD91-E331484035F8}" presName="bgRect" presStyleLbl="bgShp" presStyleIdx="3" presStyleCnt="6"/>
+      <dgm:spPr/>
+    </dgm:pt>
+    <dgm:pt modelId="{EC0D435F-30B9-4F10-80C8-6B61D714704B}" type="pres">
+      <dgm:prSet presAssocID="{CB14D6AF-CE1B-A44C-AD91-E331484035F8}" presName="iconRect" presStyleLbl="node1" presStyleIdx="3" presStyleCnt="6"/>
+      <dgm:spPr>
+        <a:blipFill>
+          <a:blip xmlns:r="http://schemas.openxmlformats.org/officeDocument/2006/relationships" r:embed="rId7">
+            <a:extLst>
+              <a:ext uri="{28A0092B-C50C-407E-A947-70E740481C1C}">
+                <a14:useLocalDpi xmlns:a14="http://schemas.microsoft.com/office/drawing/2010/main" val="0"/>
+              </a:ext>
+              <a:ext uri="{96DAC541-7B7A-43D3-8B79-37D633B846F1}">
+                <asvg:svgBlip xmlns:asvg="http://schemas.microsoft.com/office/drawing/2016/SVG/main" r:embed="rId8"/>
+              </a:ext>
+            </a:extLst>
+          </a:blip>
+          <a:stretch>
+            <a:fillRect/>
+          </a:stretch>
+        </a:blipFill>
+        <a:ln>
+          <a:noFill/>
+        </a:ln>
+      </dgm:spPr>
+      <dgm:extLst>
+        <a:ext uri="{E40237B7-FDA0-4F09-8148-C483321AD2D9}">
+          <dgm14:cNvPr xmlns:dgm14="http://schemas.microsoft.com/office/drawing/2010/diagram" id="0" name="" descr="Network Diagram"/>
+        </a:ext>
+      </dgm:extLst>
+    </dgm:pt>
+    <dgm:pt modelId="{43D17B73-BE0A-4E8A-A248-75C863A21563}" type="pres">
       <dgm:prSet presAssocID="{CB14D6AF-CE1B-A44C-AD91-E331484035F8}" presName="spaceRect" presStyleCnt="0"/>
       <dgm:spPr/>
     </dgm:pt>
-    <dgm:pt modelId="{BD15DE5F-A393-44CA-B973-4D0BA760969E}" type="pres">
-      <dgm:prSet presAssocID="{CB14D6AF-CE1B-A44C-AD91-E331484035F8}" presName="parTx" presStyleLbl="revTx" presStyleIdx="3" presStyleCnt="4">
+    <dgm:pt modelId="{CFF52D8C-C681-4208-980D-133DE91CDFB5}" type="pres">
+      <dgm:prSet presAssocID="{CB14D6AF-CE1B-A44C-AD91-E331484035F8}" presName="parTx" presStyleLbl="revTx" presStyleIdx="3" presStyleCnt="6">
+        <dgm:presLayoutVars>
+          <dgm:chMax val="0"/>
+          <dgm:chPref val="0"/>
+        </dgm:presLayoutVars>
+      </dgm:prSet>
+      <dgm:spPr/>
+    </dgm:pt>
+    <dgm:pt modelId="{8A8773D0-8869-4CA9-85B7-E7C4337FB9F8}" type="pres">
+      <dgm:prSet presAssocID="{0CB4C28F-DC32-C244-8011-F5296D12828A}" presName="sibTrans" presStyleCnt="0"/>
+      <dgm:spPr/>
+    </dgm:pt>
+    <dgm:pt modelId="{F768A2B8-F9BD-492A-B4CD-F412E3AE7BDB}" type="pres">
+      <dgm:prSet presAssocID="{356E7937-4A33-C345-85DE-D61190EC7E5C}" presName="compNode" presStyleCnt="0"/>
+      <dgm:spPr/>
+    </dgm:pt>
+    <dgm:pt modelId="{7613072C-A948-449B-A395-B553317E15CA}" type="pres">
+      <dgm:prSet presAssocID="{356E7937-4A33-C345-85DE-D61190EC7E5C}" presName="bgRect" presStyleLbl="bgShp" presStyleIdx="4" presStyleCnt="6"/>
+      <dgm:spPr/>
+    </dgm:pt>
+    <dgm:pt modelId="{E7A81F21-5B54-47A0-9DA5-ED080EDFC212}" type="pres">
+      <dgm:prSet presAssocID="{356E7937-4A33-C345-85DE-D61190EC7E5C}" presName="iconRect" presStyleLbl="node1" presStyleIdx="4" presStyleCnt="6"/>
+      <dgm:spPr>
+        <a:blipFill>
+          <a:blip xmlns:r="http://schemas.openxmlformats.org/officeDocument/2006/relationships" r:embed="rId9">
+            <a:extLst>
+              <a:ext uri="{28A0092B-C50C-407E-A947-70E740481C1C}">
+                <a14:useLocalDpi xmlns:a14="http://schemas.microsoft.com/office/drawing/2010/main" val="0"/>
+              </a:ext>
+              <a:ext uri="{96DAC541-7B7A-43D3-8B79-37D633B846F1}">
+                <asvg:svgBlip xmlns:asvg="http://schemas.microsoft.com/office/drawing/2016/SVG/main" r:embed="rId10"/>
+              </a:ext>
+            </a:extLst>
+          </a:blip>
+          <a:stretch>
+            <a:fillRect/>
+          </a:stretch>
+        </a:blipFill>
+        <a:ln>
+          <a:noFill/>
+        </a:ln>
+      </dgm:spPr>
+      <dgm:extLst>
+        <a:ext uri="{E40237B7-FDA0-4F09-8148-C483321AD2D9}">
+          <dgm14:cNvPr xmlns:dgm14="http://schemas.microsoft.com/office/drawing/2010/diagram" id="0" name="" descr="Right Pointing Backhand Index"/>
+        </a:ext>
+      </dgm:extLst>
+    </dgm:pt>
+    <dgm:pt modelId="{A3419193-AC5D-42DA-B563-47871605380D}" type="pres">
+      <dgm:prSet presAssocID="{356E7937-4A33-C345-85DE-D61190EC7E5C}" presName="spaceRect" presStyleCnt="0"/>
+      <dgm:spPr/>
+    </dgm:pt>
+    <dgm:pt modelId="{5DBA5D4D-8892-496E-BD11-EBC762D1A205}" type="pres">
+      <dgm:prSet presAssocID="{356E7937-4A33-C345-85DE-D61190EC7E5C}" presName="parTx" presStyleLbl="revTx" presStyleIdx="4" presStyleCnt="6">
+        <dgm:presLayoutVars>
+          <dgm:chMax val="0"/>
+          <dgm:chPref val="0"/>
+        </dgm:presLayoutVars>
+      </dgm:prSet>
+      <dgm:spPr/>
+    </dgm:pt>
+    <dgm:pt modelId="{59C47D09-8ACB-4DA1-84B4-D79FCD0097B2}" type="pres">
+      <dgm:prSet presAssocID="{4A432539-EA86-5C4C-8A62-B8F2E3F2B0E6}" presName="sibTrans" presStyleCnt="0"/>
+      <dgm:spPr/>
+    </dgm:pt>
+    <dgm:pt modelId="{F2814109-F10D-4813-9E91-FA8AD37CF4E2}" type="pres">
+      <dgm:prSet presAssocID="{0A1866CB-BF9B-EE45-9BDB-63E1BB0146B9}" presName="compNode" presStyleCnt="0"/>
+      <dgm:spPr/>
+    </dgm:pt>
+    <dgm:pt modelId="{23D2622F-8B40-49FA-A0A4-268A5005C5C8}" type="pres">
+      <dgm:prSet presAssocID="{0A1866CB-BF9B-EE45-9BDB-63E1BB0146B9}" presName="bgRect" presStyleLbl="bgShp" presStyleIdx="5" presStyleCnt="6"/>
+      <dgm:spPr/>
+    </dgm:pt>
+    <dgm:pt modelId="{A042FDD1-5FC7-4669-B41F-2CEFAD83F872}" type="pres">
+      <dgm:prSet presAssocID="{0A1866CB-BF9B-EE45-9BDB-63E1BB0146B9}" presName="iconRect" presStyleLbl="node1" presStyleIdx="5" presStyleCnt="6"/>
+      <dgm:spPr>
+        <a:blipFill>
+          <a:blip xmlns:r="http://schemas.openxmlformats.org/officeDocument/2006/relationships" r:embed="rId11">
+            <a:extLst>
+              <a:ext uri="{28A0092B-C50C-407E-A947-70E740481C1C}">
+                <a14:useLocalDpi xmlns:a14="http://schemas.microsoft.com/office/drawing/2010/main" val="0"/>
+              </a:ext>
+              <a:ext uri="{96DAC541-7B7A-43D3-8B79-37D633B846F1}">
+                <asvg:svgBlip xmlns:asvg="http://schemas.microsoft.com/office/drawing/2016/SVG/main" r:embed="rId12"/>
+              </a:ext>
+            </a:extLst>
+          </a:blip>
+          <a:stretch>
+            <a:fillRect/>
+          </a:stretch>
+        </a:blipFill>
+        <a:ln>
+          <a:noFill/>
+        </a:ln>
+      </dgm:spPr>
+      <dgm:extLst>
+        <a:ext uri="{E40237B7-FDA0-4F09-8148-C483321AD2D9}">
+          <dgm14:cNvPr xmlns:dgm14="http://schemas.microsoft.com/office/drawing/2010/diagram" id="0" name="" descr="House"/>
+        </a:ext>
+      </dgm:extLst>
+    </dgm:pt>
+    <dgm:pt modelId="{AF65F31E-CD57-441E-B50D-C45E89C79459}" type="pres">
+      <dgm:prSet presAssocID="{0A1866CB-BF9B-EE45-9BDB-63E1BB0146B9}" presName="spaceRect" presStyleCnt="0"/>
+      <dgm:spPr/>
+    </dgm:pt>
+    <dgm:pt modelId="{9C21A91B-A800-40DC-9B47-7231552F9D57}" type="pres">
+      <dgm:prSet presAssocID="{0A1866CB-BF9B-EE45-9BDB-63E1BB0146B9}" presName="parTx" presStyleLbl="revTx" presStyleIdx="5" presStyleCnt="6">
         <dgm:presLayoutVars>
           <dgm:chMax val="0"/>
           <dgm:chPref val="0"/>
@@ -3018,38 +3208,54 @@
     </dgm:pt>
   </dgm:ptLst>
   <dgm:cxnLst>
-    <dgm:cxn modelId="{7521C208-67BD-9547-B537-6FFB1D9DAE8B}" type="presOf" srcId="{CB14D6AF-CE1B-A44C-AD91-E331484035F8}" destId="{BD15DE5F-A393-44CA-B973-4D0BA760969E}" srcOrd="0" destOrd="0" presId="urn:microsoft.com/office/officeart/2018/2/layout/IconVerticalSolidList"/>
-    <dgm:cxn modelId="{608F841C-E6ED-3645-A4ED-9E74348CB395}" type="presOf" srcId="{19F60556-81F0-4DAC-BCA8-6689A5E55CF9}" destId="{780A3F9C-D5EF-430C-8424-09F1A2147228}" srcOrd="0" destOrd="0" presId="urn:microsoft.com/office/officeart/2018/2/layout/IconVerticalSolidList"/>
-    <dgm:cxn modelId="{A3FFC38A-6A3E-B346-8E87-A3BFC25320C0}" type="presOf" srcId="{6E6F6252-484B-4C04-BA57-DD304A1B5F0E}" destId="{2CF8D2B5-E556-454B-A445-B0BE62633C4B}" srcOrd="0" destOrd="0" presId="urn:microsoft.com/office/officeart/2018/2/layout/IconVerticalSolidList"/>
-    <dgm:cxn modelId="{BA739090-4134-054C-B6A3-5729951C10C4}" type="presOf" srcId="{1EABF7DF-EFAA-4503-8685-9247D4B6CA47}" destId="{0F2729F0-CEB3-4F26-B1F2-4FD3EC72694E}" srcOrd="0" destOrd="0" presId="urn:microsoft.com/office/officeart/2018/2/layout/IconVerticalSolidList"/>
-    <dgm:cxn modelId="{5AD1839F-F368-7445-9F53-915023FEBF32}" type="presOf" srcId="{377F17D5-117C-4860-A55D-0FB491469EC4}" destId="{CA93321B-7CA0-4574-9C09-9A909D31DAB9}" srcOrd="0" destOrd="0" presId="urn:microsoft.com/office/officeart/2018/2/layout/IconVerticalSolidList"/>
+    <dgm:cxn modelId="{07A6CF1A-2748-F546-8376-3FB4CD2B10F5}" type="presOf" srcId="{1EABF7DF-EFAA-4503-8685-9247D4B6CA47}" destId="{C3B931DE-5B89-4D66-A1BF-74C9CC9A8D08}" srcOrd="0" destOrd="0" presId="urn:microsoft.com/office/officeart/2018/2/layout/IconVerticalSolidList"/>
+    <dgm:cxn modelId="{2529223B-5A67-E14B-9F30-F850A529D836}" type="presOf" srcId="{19F60556-81F0-4DAC-BCA8-6689A5E55CF9}" destId="{AFEC0604-B9E1-4CB5-8670-E865DF061789}" srcOrd="0" destOrd="0" presId="urn:microsoft.com/office/officeart/2018/2/layout/IconVerticalSolidList"/>
+    <dgm:cxn modelId="{7B72FE49-5C0D-9F47-B0E3-94C32565BF75}" type="presOf" srcId="{0A1866CB-BF9B-EE45-9BDB-63E1BB0146B9}" destId="{9C21A91B-A800-40DC-9B47-7231552F9D57}" srcOrd="0" destOrd="0" presId="urn:microsoft.com/office/officeart/2018/2/layout/IconVerticalSolidList"/>
+    <dgm:cxn modelId="{A878F251-1317-3749-A95E-253840AB0E07}" srcId="{1EABF7DF-EFAA-4503-8685-9247D4B6CA47}" destId="{356E7937-4A33-C345-85DE-D61190EC7E5C}" srcOrd="4" destOrd="0" parTransId="{25C7B72D-E3C3-FA49-A3E1-A041B23A40DB}" sibTransId="{4A432539-EA86-5C4C-8A62-B8F2E3F2B0E6}"/>
+    <dgm:cxn modelId="{1C44B356-A03A-5E45-8E77-C42C5FB42544}" type="presOf" srcId="{CB14D6AF-CE1B-A44C-AD91-E331484035F8}" destId="{CFF52D8C-C681-4208-980D-133DE91CDFB5}" srcOrd="0" destOrd="0" presId="urn:microsoft.com/office/officeart/2018/2/layout/IconVerticalSolidList"/>
+    <dgm:cxn modelId="{CB53488B-EFBB-F142-900E-A35CDF5F8610}" type="presOf" srcId="{377F17D5-117C-4860-A55D-0FB491469EC4}" destId="{91F32D89-AA7C-4E0C-AFE9-62EC4D0ED0AC}" srcOrd="0" destOrd="0" presId="urn:microsoft.com/office/officeart/2018/2/layout/IconVerticalSolidList"/>
+    <dgm:cxn modelId="{0E20A5A3-075E-5349-B03C-24AC4670DC6C}" srcId="{1EABF7DF-EFAA-4503-8685-9247D4B6CA47}" destId="{0A1866CB-BF9B-EE45-9BDB-63E1BB0146B9}" srcOrd="5" destOrd="0" parTransId="{B92607F9-648E-3F46-B9DB-9D0208CBC6E2}" sibTransId="{6D21D075-85DE-8740-B488-51ABFF7CD686}"/>
+    <dgm:cxn modelId="{95721AAC-8363-BD4B-B7D3-5F0601325784}" type="presOf" srcId="{356E7937-4A33-C345-85DE-D61190EC7E5C}" destId="{5DBA5D4D-8892-496E-BD11-EBC762D1A205}" srcOrd="0" destOrd="0" presId="urn:microsoft.com/office/officeart/2018/2/layout/IconVerticalSolidList"/>
     <dgm:cxn modelId="{2500F4BE-572A-445F-A724-49E4C682E900}" srcId="{1EABF7DF-EFAA-4503-8685-9247D4B6CA47}" destId="{6E6F6252-484B-4C04-BA57-DD304A1B5F0E}" srcOrd="2" destOrd="0" parTransId="{04A1DA4E-6B41-47C2-8EA3-13C2B15C3FAE}" sibTransId="{B13CE2E6-83FB-4B98-8F85-BAAF90AF3C2A}"/>
     <dgm:cxn modelId="{59EDF6D3-B071-4282-9B6E-4F1EBFC72356}" srcId="{1EABF7DF-EFAA-4503-8685-9247D4B6CA47}" destId="{377F17D5-117C-4860-A55D-0FB491469EC4}" srcOrd="1" destOrd="0" parTransId="{2CB039AE-783A-4A61-A382-50D7780F7B23}" sibTransId="{B32307AC-D959-4E40-856D-A0179BCF6AAD}"/>
+    <dgm:cxn modelId="{82BB70D5-9186-2A48-95FC-A0BE6D98D91C}" type="presOf" srcId="{6E6F6252-484B-4C04-BA57-DD304A1B5F0E}" destId="{0936696B-5331-4842-BB4B-8FB357DEF80B}" srcOrd="0" destOrd="0" presId="urn:microsoft.com/office/officeart/2018/2/layout/IconVerticalSolidList"/>
     <dgm:cxn modelId="{6DA77EFD-A1DD-46EA-B425-871B7A420212}" srcId="{1EABF7DF-EFAA-4503-8685-9247D4B6CA47}" destId="{19F60556-81F0-4DAC-BCA8-6689A5E55CF9}" srcOrd="0" destOrd="0" parTransId="{49BD5A97-732D-4800-8A31-7A6EB2A21AA9}" sibTransId="{F175A918-1FC9-47A7-ACB2-8F76DBF1B7CD}"/>
     <dgm:cxn modelId="{B70ABBFF-2F55-884C-B33A-F894391FF5A9}" srcId="{1EABF7DF-EFAA-4503-8685-9247D4B6CA47}" destId="{CB14D6AF-CE1B-A44C-AD91-E331484035F8}" srcOrd="3" destOrd="0" parTransId="{BFE811A3-5F30-274C-831B-B1A399AABB87}" sibTransId="{0CB4C28F-DC32-C244-8011-F5296D12828A}"/>
-    <dgm:cxn modelId="{3C0C3DDD-1861-914B-9330-095596D2CBCF}" type="presParOf" srcId="{0F2729F0-CEB3-4F26-B1F2-4FD3EC72694E}" destId="{0DFEC719-D32F-4C2C-B036-8C42F78BEE54}" srcOrd="0" destOrd="0" presId="urn:microsoft.com/office/officeart/2018/2/layout/IconVerticalSolidList"/>
-    <dgm:cxn modelId="{AB1B1111-1EEE-444C-A645-F66BB4A39671}" type="presParOf" srcId="{0DFEC719-D32F-4C2C-B036-8C42F78BEE54}" destId="{B7D64549-29AE-454D-8A60-F3C3528B9C47}" srcOrd="0" destOrd="0" presId="urn:microsoft.com/office/officeart/2018/2/layout/IconVerticalSolidList"/>
-    <dgm:cxn modelId="{074C4AAC-2FDC-874E-8870-8E96964B6590}" type="presParOf" srcId="{0DFEC719-D32F-4C2C-B036-8C42F78BEE54}" destId="{A7E2CC4B-7856-4E21-A198-64778B939862}" srcOrd="1" destOrd="0" presId="urn:microsoft.com/office/officeart/2018/2/layout/IconVerticalSolidList"/>
-    <dgm:cxn modelId="{D355FCCE-484D-574F-8D60-05183BC51B04}" type="presParOf" srcId="{0DFEC719-D32F-4C2C-B036-8C42F78BEE54}" destId="{96611C2D-192D-429C-A276-E72437B98D01}" srcOrd="2" destOrd="0" presId="urn:microsoft.com/office/officeart/2018/2/layout/IconVerticalSolidList"/>
-    <dgm:cxn modelId="{BDF4BBB3-C96F-5A45-A4CD-2ED3AA95A887}" type="presParOf" srcId="{0DFEC719-D32F-4C2C-B036-8C42F78BEE54}" destId="{780A3F9C-D5EF-430C-8424-09F1A2147228}" srcOrd="3" destOrd="0" presId="urn:microsoft.com/office/officeart/2018/2/layout/IconVerticalSolidList"/>
-    <dgm:cxn modelId="{6B253081-04C2-BC40-81E6-DD76D387FE8A}" type="presParOf" srcId="{0F2729F0-CEB3-4F26-B1F2-4FD3EC72694E}" destId="{8C0290E0-A6C5-42FE-A65C-403425BF7C64}" srcOrd="1" destOrd="0" presId="urn:microsoft.com/office/officeart/2018/2/layout/IconVerticalSolidList"/>
-    <dgm:cxn modelId="{9C17F4B9-BB7A-144D-B949-43281BD791E5}" type="presParOf" srcId="{0F2729F0-CEB3-4F26-B1F2-4FD3EC72694E}" destId="{43078C91-7032-451A-809C-F9A06D99717A}" srcOrd="2" destOrd="0" presId="urn:microsoft.com/office/officeart/2018/2/layout/IconVerticalSolidList"/>
-    <dgm:cxn modelId="{3BF53D61-209F-384C-B976-5F1F0CAD39B3}" type="presParOf" srcId="{43078C91-7032-451A-809C-F9A06D99717A}" destId="{D43625E1-CF02-4C9C-B077-FCC8DC3E3300}" srcOrd="0" destOrd="0" presId="urn:microsoft.com/office/officeart/2018/2/layout/IconVerticalSolidList"/>
-    <dgm:cxn modelId="{5FF263BE-D315-1A43-9937-659214CB4189}" type="presParOf" srcId="{43078C91-7032-451A-809C-F9A06D99717A}" destId="{441F9986-36E7-439D-B05F-70C87C8B718C}" srcOrd="1" destOrd="0" presId="urn:microsoft.com/office/officeart/2018/2/layout/IconVerticalSolidList"/>
-    <dgm:cxn modelId="{F2AD27CB-E8D1-014C-B4BB-FF832030AD3A}" type="presParOf" srcId="{43078C91-7032-451A-809C-F9A06D99717A}" destId="{C4F3083A-82D1-450D-AC62-501EF9AB1309}" srcOrd="2" destOrd="0" presId="urn:microsoft.com/office/officeart/2018/2/layout/IconVerticalSolidList"/>
-    <dgm:cxn modelId="{E04A30EC-33E3-7F44-A664-F9FDB85CC494}" type="presParOf" srcId="{43078C91-7032-451A-809C-F9A06D99717A}" destId="{CA93321B-7CA0-4574-9C09-9A909D31DAB9}" srcOrd="3" destOrd="0" presId="urn:microsoft.com/office/officeart/2018/2/layout/IconVerticalSolidList"/>
-    <dgm:cxn modelId="{ED6D21F2-B8DD-E441-8C22-EA42E4664030}" type="presParOf" srcId="{0F2729F0-CEB3-4F26-B1F2-4FD3EC72694E}" destId="{B9CA7A57-64A2-40F8-991C-B65FC2D899DC}" srcOrd="3" destOrd="0" presId="urn:microsoft.com/office/officeart/2018/2/layout/IconVerticalSolidList"/>
-    <dgm:cxn modelId="{0D24E338-481A-434E-9DE2-42C3AF36D933}" type="presParOf" srcId="{0F2729F0-CEB3-4F26-B1F2-4FD3EC72694E}" destId="{3C461182-2DC5-465D-B66B-BA3CDCB58670}" srcOrd="4" destOrd="0" presId="urn:microsoft.com/office/officeart/2018/2/layout/IconVerticalSolidList"/>
-    <dgm:cxn modelId="{EA79E9D5-E41A-AF46-8D9B-0FB50195B283}" type="presParOf" srcId="{3C461182-2DC5-465D-B66B-BA3CDCB58670}" destId="{6444F321-473C-41E0-85C1-0281271FAAB1}" srcOrd="0" destOrd="0" presId="urn:microsoft.com/office/officeart/2018/2/layout/IconVerticalSolidList"/>
-    <dgm:cxn modelId="{1270F539-B8E1-FF4B-9F3B-132BF5BD13E1}" type="presParOf" srcId="{3C461182-2DC5-465D-B66B-BA3CDCB58670}" destId="{006B13E9-6437-4FF2-BC16-6EA1EF76B394}" srcOrd="1" destOrd="0" presId="urn:microsoft.com/office/officeart/2018/2/layout/IconVerticalSolidList"/>
-    <dgm:cxn modelId="{B5FF6285-67FA-9C4D-BA6A-C0F13625CED6}" type="presParOf" srcId="{3C461182-2DC5-465D-B66B-BA3CDCB58670}" destId="{997DABE1-07D1-4E5F-89E5-FDD3021BA503}" srcOrd="2" destOrd="0" presId="urn:microsoft.com/office/officeart/2018/2/layout/IconVerticalSolidList"/>
-    <dgm:cxn modelId="{4C07D5FB-DB66-E440-9C1A-2028C43E46AE}" type="presParOf" srcId="{3C461182-2DC5-465D-B66B-BA3CDCB58670}" destId="{2CF8D2B5-E556-454B-A445-B0BE62633C4B}" srcOrd="3" destOrd="0" presId="urn:microsoft.com/office/officeart/2018/2/layout/IconVerticalSolidList"/>
-    <dgm:cxn modelId="{B964C971-96FC-9B4C-9024-CD2825E9C7C1}" type="presParOf" srcId="{0F2729F0-CEB3-4F26-B1F2-4FD3EC72694E}" destId="{DE2FA2C4-1506-4753-A92D-CE1BCE5DF040}" srcOrd="5" destOrd="0" presId="urn:microsoft.com/office/officeart/2018/2/layout/IconVerticalSolidList"/>
-    <dgm:cxn modelId="{D0E9844C-3E75-0943-9643-B489BCF8535C}" type="presParOf" srcId="{0F2729F0-CEB3-4F26-B1F2-4FD3EC72694E}" destId="{485D57B8-ADE8-4234-B608-ECA6F6FD4B7B}" srcOrd="6" destOrd="0" presId="urn:microsoft.com/office/officeart/2018/2/layout/IconVerticalSolidList"/>
-    <dgm:cxn modelId="{6A0D4382-0371-6A4E-8C1C-F89F869E1B25}" type="presParOf" srcId="{485D57B8-ADE8-4234-B608-ECA6F6FD4B7B}" destId="{40D8CA6A-715B-403D-BB24-087B2BE879C4}" srcOrd="0" destOrd="0" presId="urn:microsoft.com/office/officeart/2018/2/layout/IconVerticalSolidList"/>
-    <dgm:cxn modelId="{70744EAE-CC37-9D4A-A587-71ADA0BE0DB5}" type="presParOf" srcId="{485D57B8-ADE8-4234-B608-ECA6F6FD4B7B}" destId="{BEA4DC75-266E-47C0-8654-073ACCAFA261}" srcOrd="1" destOrd="0" presId="urn:microsoft.com/office/officeart/2018/2/layout/IconVerticalSolidList"/>
-    <dgm:cxn modelId="{8F91B23A-479D-DD4F-B4C0-2FDB1E93974D}" type="presParOf" srcId="{485D57B8-ADE8-4234-B608-ECA6F6FD4B7B}" destId="{E848DE52-A672-46BE-B83C-4AE8014CBF97}" srcOrd="2" destOrd="0" presId="urn:microsoft.com/office/officeart/2018/2/layout/IconVerticalSolidList"/>
-    <dgm:cxn modelId="{954F1A5F-871B-084E-AA8E-227478130B5A}" type="presParOf" srcId="{485D57B8-ADE8-4234-B608-ECA6F6FD4B7B}" destId="{BD15DE5F-A393-44CA-B973-4D0BA760969E}" srcOrd="3" destOrd="0" presId="urn:microsoft.com/office/officeart/2018/2/layout/IconVerticalSolidList"/>
+    <dgm:cxn modelId="{C2F39578-3ECC-4945-A0C3-8A217FE9FABE}" type="presParOf" srcId="{C3B931DE-5B89-4D66-A1BF-74C9CC9A8D08}" destId="{9CC13B5B-9D16-4B12-985A-93E574D07304}" srcOrd="0" destOrd="0" presId="urn:microsoft.com/office/officeart/2018/2/layout/IconVerticalSolidList"/>
+    <dgm:cxn modelId="{F63615C6-3309-D54B-9C73-99A3484A7F7C}" type="presParOf" srcId="{9CC13B5B-9D16-4B12-985A-93E574D07304}" destId="{32F0127A-0D1B-4792-9A06-7E0C010EC2C6}" srcOrd="0" destOrd="0" presId="urn:microsoft.com/office/officeart/2018/2/layout/IconVerticalSolidList"/>
+    <dgm:cxn modelId="{4D4BEC7C-1BDA-EF49-9038-2E3E1A3DC6E6}" type="presParOf" srcId="{9CC13B5B-9D16-4B12-985A-93E574D07304}" destId="{9ECD864A-26A7-4DAB-83E8-79909CA4F91C}" srcOrd="1" destOrd="0" presId="urn:microsoft.com/office/officeart/2018/2/layout/IconVerticalSolidList"/>
+    <dgm:cxn modelId="{39DD6B6C-3E1F-6543-A105-270F5A06A364}" type="presParOf" srcId="{9CC13B5B-9D16-4B12-985A-93E574D07304}" destId="{EB162CB3-F14C-49B6-BAA1-28B3A20C16EA}" srcOrd="2" destOrd="0" presId="urn:microsoft.com/office/officeart/2018/2/layout/IconVerticalSolidList"/>
+    <dgm:cxn modelId="{971CC3B7-BD8E-2F4C-AEAE-137DA4E48D42}" type="presParOf" srcId="{9CC13B5B-9D16-4B12-985A-93E574D07304}" destId="{AFEC0604-B9E1-4CB5-8670-E865DF061789}" srcOrd="3" destOrd="0" presId="urn:microsoft.com/office/officeart/2018/2/layout/IconVerticalSolidList"/>
+    <dgm:cxn modelId="{72376526-09A0-8E4A-8D7E-71A5C974473B}" type="presParOf" srcId="{C3B931DE-5B89-4D66-A1BF-74C9CC9A8D08}" destId="{5E90F139-EB15-4162-A89D-7105F8BD8AE8}" srcOrd="1" destOrd="0" presId="urn:microsoft.com/office/officeart/2018/2/layout/IconVerticalSolidList"/>
+    <dgm:cxn modelId="{ADC5A0A4-20F4-8D40-9E36-EF98D542FF45}" type="presParOf" srcId="{C3B931DE-5B89-4D66-A1BF-74C9CC9A8D08}" destId="{4489C363-A005-4326-9C8F-9223BEC1BD96}" srcOrd="2" destOrd="0" presId="urn:microsoft.com/office/officeart/2018/2/layout/IconVerticalSolidList"/>
+    <dgm:cxn modelId="{09744C3A-90DC-264D-B375-D67ADA9D10A2}" type="presParOf" srcId="{4489C363-A005-4326-9C8F-9223BEC1BD96}" destId="{A61E65B7-AB9D-41A1-9969-08DEB62F4D25}" srcOrd="0" destOrd="0" presId="urn:microsoft.com/office/officeart/2018/2/layout/IconVerticalSolidList"/>
+    <dgm:cxn modelId="{EC0543A5-CB1F-BA41-8B41-32961F2C2C71}" type="presParOf" srcId="{4489C363-A005-4326-9C8F-9223BEC1BD96}" destId="{5DB28F19-A5AB-4D48-AD51-B8F020C794F6}" srcOrd="1" destOrd="0" presId="urn:microsoft.com/office/officeart/2018/2/layout/IconVerticalSolidList"/>
+    <dgm:cxn modelId="{83625D9E-8A09-E341-B0B6-C176F946A016}" type="presParOf" srcId="{4489C363-A005-4326-9C8F-9223BEC1BD96}" destId="{2E5F9FEA-A300-49E1-9488-CEACADECF8AF}" srcOrd="2" destOrd="0" presId="urn:microsoft.com/office/officeart/2018/2/layout/IconVerticalSolidList"/>
+    <dgm:cxn modelId="{873275EB-ADDF-834B-B873-4F017AEB8A38}" type="presParOf" srcId="{4489C363-A005-4326-9C8F-9223BEC1BD96}" destId="{91F32D89-AA7C-4E0C-AFE9-62EC4D0ED0AC}" srcOrd="3" destOrd="0" presId="urn:microsoft.com/office/officeart/2018/2/layout/IconVerticalSolidList"/>
+    <dgm:cxn modelId="{A46A9EF1-DA3E-F442-8FCB-1E30AF684DBB}" type="presParOf" srcId="{C3B931DE-5B89-4D66-A1BF-74C9CC9A8D08}" destId="{ABAC8932-6B4A-4EB1-9081-B49D1EE181A0}" srcOrd="3" destOrd="0" presId="urn:microsoft.com/office/officeart/2018/2/layout/IconVerticalSolidList"/>
+    <dgm:cxn modelId="{4E622779-191C-754D-9A6C-A820F3E1EB7D}" type="presParOf" srcId="{C3B931DE-5B89-4D66-A1BF-74C9CC9A8D08}" destId="{C5E69B94-F804-46CD-9D36-01AD77484738}" srcOrd="4" destOrd="0" presId="urn:microsoft.com/office/officeart/2018/2/layout/IconVerticalSolidList"/>
+    <dgm:cxn modelId="{9080AAA0-C369-EE45-A982-11FE8364B6C2}" type="presParOf" srcId="{C5E69B94-F804-46CD-9D36-01AD77484738}" destId="{6B4F616B-E215-43DF-9228-93D8978A897C}" srcOrd="0" destOrd="0" presId="urn:microsoft.com/office/officeart/2018/2/layout/IconVerticalSolidList"/>
+    <dgm:cxn modelId="{244A3A14-DABC-3243-B365-4032BB04D4D9}" type="presParOf" srcId="{C5E69B94-F804-46CD-9D36-01AD77484738}" destId="{C7100D16-8DA4-46E4-B7A3-4C208061C410}" srcOrd="1" destOrd="0" presId="urn:microsoft.com/office/officeart/2018/2/layout/IconVerticalSolidList"/>
+    <dgm:cxn modelId="{9547B2BD-EA4D-CC46-B63E-FEF658EF3950}" type="presParOf" srcId="{C5E69B94-F804-46CD-9D36-01AD77484738}" destId="{AB0DEE55-0365-41AD-9A81-B79487602EC7}" srcOrd="2" destOrd="0" presId="urn:microsoft.com/office/officeart/2018/2/layout/IconVerticalSolidList"/>
+    <dgm:cxn modelId="{C1D95FD4-A6C4-D346-BDF0-6BB2D61295FF}" type="presParOf" srcId="{C5E69B94-F804-46CD-9D36-01AD77484738}" destId="{0936696B-5331-4842-BB4B-8FB357DEF80B}" srcOrd="3" destOrd="0" presId="urn:microsoft.com/office/officeart/2018/2/layout/IconVerticalSolidList"/>
+    <dgm:cxn modelId="{F3829129-8848-204A-930A-530C5EEB93AE}" type="presParOf" srcId="{C3B931DE-5B89-4D66-A1BF-74C9CC9A8D08}" destId="{8B547BB8-D930-4A35-ABC8-3036594F2F76}" srcOrd="5" destOrd="0" presId="urn:microsoft.com/office/officeart/2018/2/layout/IconVerticalSolidList"/>
+    <dgm:cxn modelId="{D907CBD9-7EA8-B34D-AD32-82BE1D53F8B2}" type="presParOf" srcId="{C3B931DE-5B89-4D66-A1BF-74C9CC9A8D08}" destId="{82745398-B819-42F7-9844-15722026349C}" srcOrd="6" destOrd="0" presId="urn:microsoft.com/office/officeart/2018/2/layout/IconVerticalSolidList"/>
+    <dgm:cxn modelId="{7C416C7C-8FF2-8C49-BD8A-5806094755F1}" type="presParOf" srcId="{82745398-B819-42F7-9844-15722026349C}" destId="{FE44285B-0627-4297-B0B4-86109B853601}" srcOrd="0" destOrd="0" presId="urn:microsoft.com/office/officeart/2018/2/layout/IconVerticalSolidList"/>
+    <dgm:cxn modelId="{FB15B83E-B680-4747-A255-0A2E682BC1A8}" type="presParOf" srcId="{82745398-B819-42F7-9844-15722026349C}" destId="{EC0D435F-30B9-4F10-80C8-6B61D714704B}" srcOrd="1" destOrd="0" presId="urn:microsoft.com/office/officeart/2018/2/layout/IconVerticalSolidList"/>
+    <dgm:cxn modelId="{61FE6FB4-1DD6-AF48-A509-AC979FCA8B39}" type="presParOf" srcId="{82745398-B819-42F7-9844-15722026349C}" destId="{43D17B73-BE0A-4E8A-A248-75C863A21563}" srcOrd="2" destOrd="0" presId="urn:microsoft.com/office/officeart/2018/2/layout/IconVerticalSolidList"/>
+    <dgm:cxn modelId="{51279369-8E69-D540-ACCD-8C68B127A1E0}" type="presParOf" srcId="{82745398-B819-42F7-9844-15722026349C}" destId="{CFF52D8C-C681-4208-980D-133DE91CDFB5}" srcOrd="3" destOrd="0" presId="urn:microsoft.com/office/officeart/2018/2/layout/IconVerticalSolidList"/>
+    <dgm:cxn modelId="{248CAB11-42A3-7646-8BBD-40734B07A11B}" type="presParOf" srcId="{C3B931DE-5B89-4D66-A1BF-74C9CC9A8D08}" destId="{8A8773D0-8869-4CA9-85B7-E7C4337FB9F8}" srcOrd="7" destOrd="0" presId="urn:microsoft.com/office/officeart/2018/2/layout/IconVerticalSolidList"/>
+    <dgm:cxn modelId="{D8993693-5376-E448-9E99-15C8708B4A87}" type="presParOf" srcId="{C3B931DE-5B89-4D66-A1BF-74C9CC9A8D08}" destId="{F768A2B8-F9BD-492A-B4CD-F412E3AE7BDB}" srcOrd="8" destOrd="0" presId="urn:microsoft.com/office/officeart/2018/2/layout/IconVerticalSolidList"/>
+    <dgm:cxn modelId="{D7F2C83A-FB2D-274B-A8F9-3FD3A4FF3695}" type="presParOf" srcId="{F768A2B8-F9BD-492A-B4CD-F412E3AE7BDB}" destId="{7613072C-A948-449B-A395-B553317E15CA}" srcOrd="0" destOrd="0" presId="urn:microsoft.com/office/officeart/2018/2/layout/IconVerticalSolidList"/>
+    <dgm:cxn modelId="{618F265A-9BED-3C4B-8D20-6A7742563EB4}" type="presParOf" srcId="{F768A2B8-F9BD-492A-B4CD-F412E3AE7BDB}" destId="{E7A81F21-5B54-47A0-9DA5-ED080EDFC212}" srcOrd="1" destOrd="0" presId="urn:microsoft.com/office/officeart/2018/2/layout/IconVerticalSolidList"/>
+    <dgm:cxn modelId="{D5876898-0F44-4A4B-9456-99DA055D7225}" type="presParOf" srcId="{F768A2B8-F9BD-492A-B4CD-F412E3AE7BDB}" destId="{A3419193-AC5D-42DA-B563-47871605380D}" srcOrd="2" destOrd="0" presId="urn:microsoft.com/office/officeart/2018/2/layout/IconVerticalSolidList"/>
+    <dgm:cxn modelId="{8E673AAB-D385-7247-8CF4-28F9CF2A57C6}" type="presParOf" srcId="{F768A2B8-F9BD-492A-B4CD-F412E3AE7BDB}" destId="{5DBA5D4D-8892-496E-BD11-EBC762D1A205}" srcOrd="3" destOrd="0" presId="urn:microsoft.com/office/officeart/2018/2/layout/IconVerticalSolidList"/>
+    <dgm:cxn modelId="{A1B1C0E9-FB1D-B543-B0E1-87B284E101E0}" type="presParOf" srcId="{C3B931DE-5B89-4D66-A1BF-74C9CC9A8D08}" destId="{59C47D09-8ACB-4DA1-84B4-D79FCD0097B2}" srcOrd="9" destOrd="0" presId="urn:microsoft.com/office/officeart/2018/2/layout/IconVerticalSolidList"/>
+    <dgm:cxn modelId="{BC97C9C1-E506-A541-B6EB-2832DC48AC54}" type="presParOf" srcId="{C3B931DE-5B89-4D66-A1BF-74C9CC9A8D08}" destId="{F2814109-F10D-4813-9E91-FA8AD37CF4E2}" srcOrd="10" destOrd="0" presId="urn:microsoft.com/office/officeart/2018/2/layout/IconVerticalSolidList"/>
+    <dgm:cxn modelId="{301F6020-4B3F-6F43-97DD-24D4580CD72D}" type="presParOf" srcId="{F2814109-F10D-4813-9E91-FA8AD37CF4E2}" destId="{23D2622F-8B40-49FA-A0A4-268A5005C5C8}" srcOrd="0" destOrd="0" presId="urn:microsoft.com/office/officeart/2018/2/layout/IconVerticalSolidList"/>
+    <dgm:cxn modelId="{FAE68C8F-F2FE-1D47-A4D4-80ACCEF2719C}" type="presParOf" srcId="{F2814109-F10D-4813-9E91-FA8AD37CF4E2}" destId="{A042FDD1-5FC7-4669-B41F-2CEFAD83F872}" srcOrd="1" destOrd="0" presId="urn:microsoft.com/office/officeart/2018/2/layout/IconVerticalSolidList"/>
+    <dgm:cxn modelId="{62D2D986-8B33-5841-88E6-9CED9113F3A6}" type="presParOf" srcId="{F2814109-F10D-4813-9E91-FA8AD37CF4E2}" destId="{AF65F31E-CD57-441E-B50D-C45E89C79459}" srcOrd="2" destOrd="0" presId="urn:microsoft.com/office/officeart/2018/2/layout/IconVerticalSolidList"/>
+    <dgm:cxn modelId="{84D0B60A-F2FA-F442-89D5-46DA1181598C}" type="presParOf" srcId="{F2814109-F10D-4813-9E91-FA8AD37CF4E2}" destId="{9C21A91B-A800-40DC-9B47-7231552F9D57}" srcOrd="3" destOrd="0" presId="urn:microsoft.com/office/officeart/2018/2/layout/IconVerticalSolidList"/>
   </dgm:cxnLst>
   <dgm:bg/>
   <dgm:whole/>
@@ -3837,15 +4043,15 @@
       <dsp:cNvGrpSpPr/>
     </dsp:nvGrpSpPr>
     <dsp:grpSpPr/>
-    <dsp:sp modelId="{B7D64549-29AE-454D-8A60-F3C3528B9C47}">
+    <dsp:sp modelId="{32F0127A-0D1B-4792-9A06-7E0C010EC2C6}">
       <dsp:nvSpPr>
         <dsp:cNvPr id="0" name=""/>
         <dsp:cNvSpPr/>
       </dsp:nvSpPr>
       <dsp:spPr>
         <a:xfrm>
-          <a:off x="0" y="2447"/>
-          <a:ext cx="6588691" cy="1240389"/>
+          <a:off x="0" y="1907"/>
+          <a:ext cx="6588691" cy="812817"/>
         </a:xfrm>
         <a:prstGeom prst="roundRect">
           <a:avLst>
@@ -3879,15 +4085,15 @@
         <a:fontRef idx="minor"/>
       </dsp:style>
     </dsp:sp>
-    <dsp:sp modelId="{A7E2CC4B-7856-4E21-A198-64778B939862}">
+    <dsp:sp modelId="{9ECD864A-26A7-4DAB-83E8-79909CA4F91C}">
       <dsp:nvSpPr>
         <dsp:cNvPr id="0" name=""/>
         <dsp:cNvSpPr/>
       </dsp:nvSpPr>
       <dsp:spPr>
         <a:xfrm>
-          <a:off x="375217" y="281534"/>
-          <a:ext cx="682214" cy="682214"/>
+          <a:off x="245877" y="184791"/>
+          <a:ext cx="447049" cy="447049"/>
         </a:xfrm>
         <a:prstGeom prst="rect">
           <a:avLst/>
@@ -3929,15 +4135,15 @@
         </a:fontRef>
       </dsp:style>
     </dsp:sp>
-    <dsp:sp modelId="{780A3F9C-D5EF-430C-8424-09F1A2147228}">
+    <dsp:sp modelId="{AFEC0604-B9E1-4CB5-8670-E865DF061789}">
       <dsp:nvSpPr>
         <dsp:cNvPr id="0" name=""/>
         <dsp:cNvSpPr/>
       </dsp:nvSpPr>
       <dsp:spPr>
         <a:xfrm>
-          <a:off x="1432649" y="2447"/>
-          <a:ext cx="5156041" cy="1240389"/>
+          <a:off x="938804" y="1907"/>
+          <a:ext cx="5649886" cy="812817"/>
         </a:xfrm>
         <a:prstGeom prst="rect">
           <a:avLst/>
@@ -3961,12 +4167,12 @@
         <a:fontRef idx="minor"/>
       </dsp:style>
       <dsp:txBody>
-        <a:bodyPr spcFirstLastPara="0" vert="horz" wrap="square" lIns="131275" tIns="131275" rIns="131275" bIns="131275" numCol="1" spcCol="1270" anchor="ctr" anchorCtr="0">
+        <a:bodyPr spcFirstLastPara="0" vert="horz" wrap="square" lIns="86023" tIns="86023" rIns="86023" bIns="86023" numCol="1" spcCol="1270" anchor="ctr" anchorCtr="0">
           <a:noAutofit/>
         </a:bodyPr>
         <a:lstStyle/>
         <a:p>
-          <a:pPr marL="0" lvl="0" indent="0" algn="l" defTabSz="977900">
+          <a:pPr marL="0" lvl="0" indent="0" algn="l" defTabSz="844550">
             <a:lnSpc>
               <a:spcPct val="100000"/>
             </a:lnSpc>
@@ -3979,25 +4185,25 @@
             <a:buNone/>
           </a:pPr>
           <a:r>
-            <a:rPr lang="en-US" sz="2200" kern="1200" dirty="0"/>
-            <a:t>SL optimization plots</a:t>
+            <a:rPr lang="en-US" sz="1900" kern="1200"/>
+            <a:t>Updated SL optimization plots</a:t>
           </a:r>
         </a:p>
       </dsp:txBody>
       <dsp:txXfrm>
-        <a:off x="1432649" y="2447"/>
-        <a:ext cx="5156041" cy="1240389"/>
+        <a:off x="938804" y="1907"/>
+        <a:ext cx="5649886" cy="812817"/>
       </dsp:txXfrm>
     </dsp:sp>
-    <dsp:sp modelId="{D43625E1-CF02-4C9C-B077-FCC8DC3E3300}">
+    <dsp:sp modelId="{A61E65B7-AB9D-41A1-9969-08DEB62F4D25}">
       <dsp:nvSpPr>
         <dsp:cNvPr id="0" name=""/>
         <dsp:cNvSpPr/>
       </dsp:nvSpPr>
       <dsp:spPr>
         <a:xfrm>
-          <a:off x="0" y="1552933"/>
-          <a:ext cx="6588691" cy="1240389"/>
+          <a:off x="0" y="1017929"/>
+          <a:ext cx="6588691" cy="812817"/>
         </a:xfrm>
         <a:prstGeom prst="roundRect">
           <a:avLst>
@@ -4031,15 +4237,15 @@
         <a:fontRef idx="minor"/>
       </dsp:style>
     </dsp:sp>
-    <dsp:sp modelId="{441F9986-36E7-439D-B05F-70C87C8B718C}">
+    <dsp:sp modelId="{5DB28F19-A5AB-4D48-AD51-B8F020C794F6}">
       <dsp:nvSpPr>
         <dsp:cNvPr id="0" name=""/>
         <dsp:cNvSpPr/>
       </dsp:nvSpPr>
       <dsp:spPr>
         <a:xfrm>
-          <a:off x="375217" y="1832021"/>
-          <a:ext cx="682214" cy="682214"/>
+          <a:off x="245877" y="1200813"/>
+          <a:ext cx="447049" cy="447049"/>
         </a:xfrm>
         <a:prstGeom prst="rect">
           <a:avLst/>
@@ -4081,15 +4287,15 @@
         </a:fontRef>
       </dsp:style>
     </dsp:sp>
-    <dsp:sp modelId="{CA93321B-7CA0-4574-9C09-9A909D31DAB9}">
+    <dsp:sp modelId="{91F32D89-AA7C-4E0C-AFE9-62EC4D0ED0AC}">
       <dsp:nvSpPr>
         <dsp:cNvPr id="0" name=""/>
         <dsp:cNvSpPr/>
       </dsp:nvSpPr>
       <dsp:spPr>
         <a:xfrm>
-          <a:off x="1432649" y="1552933"/>
-          <a:ext cx="5156041" cy="1240389"/>
+          <a:off x="938804" y="1017929"/>
+          <a:ext cx="5649886" cy="812817"/>
         </a:xfrm>
         <a:prstGeom prst="rect">
           <a:avLst/>
@@ -4113,12 +4319,12 @@
         <a:fontRef idx="minor"/>
       </dsp:style>
       <dsp:txBody>
-        <a:bodyPr spcFirstLastPara="0" vert="horz" wrap="square" lIns="131275" tIns="131275" rIns="131275" bIns="131275" numCol="1" spcCol="1270" anchor="ctr" anchorCtr="0">
+        <a:bodyPr spcFirstLastPara="0" vert="horz" wrap="square" lIns="86023" tIns="86023" rIns="86023" bIns="86023" numCol="1" spcCol="1270" anchor="ctr" anchorCtr="0">
           <a:noAutofit/>
         </a:bodyPr>
         <a:lstStyle/>
         <a:p>
-          <a:pPr marL="0" lvl="0" indent="0" algn="l" defTabSz="977900">
+          <a:pPr marL="0" lvl="0" indent="0" algn="l" defTabSz="844550">
             <a:lnSpc>
               <a:spcPct val="100000"/>
             </a:lnSpc>
@@ -4131,25 +4337,25 @@
             <a:buNone/>
           </a:pPr>
           <a:r>
-            <a:rPr lang="en-US" sz="2200" kern="1200"/>
-            <a:t>BL optimization plots</a:t>
+            <a:rPr lang="en-US" sz="1900" kern="1200"/>
+            <a:t>Updated BL optimization plots</a:t>
           </a:r>
         </a:p>
       </dsp:txBody>
       <dsp:txXfrm>
-        <a:off x="1432649" y="1552933"/>
-        <a:ext cx="5156041" cy="1240389"/>
+        <a:off x="938804" y="1017929"/>
+        <a:ext cx="5649886" cy="812817"/>
       </dsp:txXfrm>
     </dsp:sp>
-    <dsp:sp modelId="{6444F321-473C-41E0-85C1-0281271FAAB1}">
+    <dsp:sp modelId="{6B4F616B-E215-43DF-9228-93D8978A897C}">
       <dsp:nvSpPr>
         <dsp:cNvPr id="0" name=""/>
         <dsp:cNvSpPr/>
       </dsp:nvSpPr>
       <dsp:spPr>
         <a:xfrm>
-          <a:off x="0" y="3103420"/>
-          <a:ext cx="6588691" cy="1240389"/>
+          <a:off x="0" y="2033951"/>
+          <a:ext cx="6588691" cy="812817"/>
         </a:xfrm>
         <a:prstGeom prst="roundRect">
           <a:avLst>
@@ -4183,15 +4389,15 @@
         <a:fontRef idx="minor"/>
       </dsp:style>
     </dsp:sp>
-    <dsp:sp modelId="{006B13E9-6437-4FF2-BC16-6EA1EF76B394}">
+    <dsp:sp modelId="{C7100D16-8DA4-46E4-B7A3-4C208061C410}">
       <dsp:nvSpPr>
         <dsp:cNvPr id="0" name=""/>
         <dsp:cNvSpPr/>
       </dsp:nvSpPr>
       <dsp:spPr>
         <a:xfrm>
-          <a:off x="375217" y="3382507"/>
-          <a:ext cx="682214" cy="682214"/>
+          <a:off x="245877" y="2216835"/>
+          <a:ext cx="447049" cy="447049"/>
         </a:xfrm>
         <a:prstGeom prst="rect">
           <a:avLst/>
@@ -4233,15 +4439,15 @@
         </a:fontRef>
       </dsp:style>
     </dsp:sp>
-    <dsp:sp modelId="{2CF8D2B5-E556-454B-A445-B0BE62633C4B}">
+    <dsp:sp modelId="{0936696B-5331-4842-BB4B-8FB357DEF80B}">
       <dsp:nvSpPr>
         <dsp:cNvPr id="0" name=""/>
         <dsp:cNvSpPr/>
       </dsp:nvSpPr>
       <dsp:spPr>
         <a:xfrm>
-          <a:off x="1432649" y="3103420"/>
-          <a:ext cx="5156041" cy="1240389"/>
+          <a:off x="938804" y="2033951"/>
+          <a:ext cx="5649886" cy="812817"/>
         </a:xfrm>
         <a:prstGeom prst="rect">
           <a:avLst/>
@@ -4265,12 +4471,12 @@
         <a:fontRef idx="minor"/>
       </dsp:style>
       <dsp:txBody>
-        <a:bodyPr spcFirstLastPara="0" vert="horz" wrap="square" lIns="131275" tIns="131275" rIns="131275" bIns="131275" numCol="1" spcCol="1270" anchor="ctr" anchorCtr="0">
+        <a:bodyPr spcFirstLastPara="0" vert="horz" wrap="square" lIns="86023" tIns="86023" rIns="86023" bIns="86023" numCol="1" spcCol="1270" anchor="ctr" anchorCtr="0">
           <a:noAutofit/>
         </a:bodyPr>
         <a:lstStyle/>
         <a:p>
-          <a:pPr marL="0" lvl="0" indent="0" algn="l" defTabSz="977900">
+          <a:pPr marL="0" lvl="0" indent="0" algn="l" defTabSz="844550">
             <a:lnSpc>
               <a:spcPct val="100000"/>
             </a:lnSpc>
@@ -4283,25 +4489,25 @@
             <a:buNone/>
           </a:pPr>
           <a:r>
-            <a:rPr lang="en-US" sz="2200" kern="1200"/>
-            <a:t>Results for Rcmin/Rcmax</a:t>
+            <a:rPr lang="en-US" sz="1900" kern="1200"/>
+            <a:t>Table of parameters</a:t>
           </a:r>
         </a:p>
       </dsp:txBody>
       <dsp:txXfrm>
-        <a:off x="1432649" y="3103420"/>
-        <a:ext cx="5156041" cy="1240389"/>
+        <a:off x="938804" y="2033951"/>
+        <a:ext cx="5649886" cy="812817"/>
       </dsp:txXfrm>
     </dsp:sp>
-    <dsp:sp modelId="{40D8CA6A-715B-403D-BB24-087B2BE879C4}">
+    <dsp:sp modelId="{FE44285B-0627-4297-B0B4-86109B853601}">
       <dsp:nvSpPr>
         <dsp:cNvPr id="0" name=""/>
         <dsp:cNvSpPr/>
       </dsp:nvSpPr>
       <dsp:spPr>
         <a:xfrm>
-          <a:off x="0" y="4653906"/>
-          <a:ext cx="6588691" cy="1240389"/>
+          <a:off x="0" y="3049973"/>
+          <a:ext cx="6588691" cy="812817"/>
         </a:xfrm>
         <a:prstGeom prst="roundRect">
           <a:avLst>
@@ -4335,15 +4541,15 @@
         <a:fontRef idx="minor"/>
       </dsp:style>
     </dsp:sp>
-    <dsp:sp modelId="{BEA4DC75-266E-47C0-8654-073ACCAFA261}">
+    <dsp:sp modelId="{EC0D435F-30B9-4F10-80C8-6B61D714704B}">
       <dsp:nvSpPr>
         <dsp:cNvPr id="0" name=""/>
         <dsp:cNvSpPr/>
       </dsp:nvSpPr>
       <dsp:spPr>
         <a:xfrm>
-          <a:off x="375217" y="4932994"/>
-          <a:ext cx="682214" cy="682214"/>
+          <a:off x="245877" y="3232857"/>
+          <a:ext cx="447049" cy="447049"/>
         </a:xfrm>
         <a:prstGeom prst="rect">
           <a:avLst/>
@@ -4385,15 +4591,15 @@
         </a:fontRef>
       </dsp:style>
     </dsp:sp>
-    <dsp:sp modelId="{BD15DE5F-A393-44CA-B973-4D0BA760969E}">
+    <dsp:sp modelId="{CFF52D8C-C681-4208-980D-133DE91CDFB5}">
       <dsp:nvSpPr>
         <dsp:cNvPr id="0" name=""/>
         <dsp:cNvSpPr/>
       </dsp:nvSpPr>
       <dsp:spPr>
         <a:xfrm>
-          <a:off x="1432649" y="4653906"/>
-          <a:ext cx="5156041" cy="1240389"/>
+          <a:off x="938804" y="3049973"/>
+          <a:ext cx="5649886" cy="812817"/>
         </a:xfrm>
         <a:prstGeom prst="rect">
           <a:avLst/>
@@ -4417,12 +4623,12 @@
         <a:fontRef idx="minor"/>
       </dsp:style>
       <dsp:txBody>
-        <a:bodyPr spcFirstLastPara="0" vert="horz" wrap="square" lIns="131275" tIns="131275" rIns="131275" bIns="131275" numCol="1" spcCol="1270" anchor="ctr" anchorCtr="0">
+        <a:bodyPr spcFirstLastPara="0" vert="horz" wrap="square" lIns="86023" tIns="86023" rIns="86023" bIns="86023" numCol="1" spcCol="1270" anchor="ctr" anchorCtr="0">
           <a:noAutofit/>
         </a:bodyPr>
         <a:lstStyle/>
         <a:p>
-          <a:pPr marL="0" lvl="0" indent="0" algn="l" defTabSz="977900">
+          <a:pPr marL="0" lvl="0" indent="0" algn="l" defTabSz="844550">
             <a:lnSpc>
               <a:spcPct val="100000"/>
             </a:lnSpc>
@@ -4435,14 +4641,318 @@
             <a:buNone/>
           </a:pPr>
           <a:r>
-            <a:rPr lang="en-US" sz="2200" kern="1200"/>
-            <a:t>Paper Edits</a:t>
+            <a:rPr lang="en-US" sz="1900" kern="1200"/>
+            <a:t>New ISPP Plot</a:t>
           </a:r>
         </a:p>
       </dsp:txBody>
       <dsp:txXfrm>
-        <a:off x="1432649" y="4653906"/>
-        <a:ext cx="5156041" cy="1240389"/>
+        <a:off x="938804" y="3049973"/>
+        <a:ext cx="5649886" cy="812817"/>
+      </dsp:txXfrm>
+    </dsp:sp>
+    <dsp:sp modelId="{7613072C-A948-449B-A395-B553317E15CA}">
+      <dsp:nvSpPr>
+        <dsp:cNvPr id="0" name=""/>
+        <dsp:cNvSpPr/>
+      </dsp:nvSpPr>
+      <dsp:spPr>
+        <a:xfrm>
+          <a:off x="0" y="4065995"/>
+          <a:ext cx="6588691" cy="812817"/>
+        </a:xfrm>
+        <a:prstGeom prst="roundRect">
+          <a:avLst>
+            <a:gd name="adj" fmla="val 10000"/>
+          </a:avLst>
+        </a:prstGeom>
+        <a:solidFill>
+          <a:schemeClr val="bg1">
+            <a:lumMod val="95000"/>
+            <a:hueOff val="0"/>
+            <a:satOff val="0"/>
+            <a:lumOff val="0"/>
+            <a:alphaOff val="0"/>
+          </a:schemeClr>
+        </a:solidFill>
+        <a:ln>
+          <a:noFill/>
+        </a:ln>
+        <a:effectLst/>
+      </dsp:spPr>
+      <dsp:style>
+        <a:lnRef idx="0">
+          <a:scrgbClr r="0" g="0" b="0"/>
+        </a:lnRef>
+        <a:fillRef idx="1">
+          <a:scrgbClr r="0" g="0" b="0"/>
+        </a:fillRef>
+        <a:effectRef idx="0">
+          <a:scrgbClr r="0" g="0" b="0"/>
+        </a:effectRef>
+        <a:fontRef idx="minor"/>
+      </dsp:style>
+    </dsp:sp>
+    <dsp:sp modelId="{E7A81F21-5B54-47A0-9DA5-ED080EDFC212}">
+      <dsp:nvSpPr>
+        <dsp:cNvPr id="0" name=""/>
+        <dsp:cNvSpPr/>
+      </dsp:nvSpPr>
+      <dsp:spPr>
+        <a:xfrm>
+          <a:off x="245877" y="4248879"/>
+          <a:ext cx="447049" cy="447049"/>
+        </a:xfrm>
+        <a:prstGeom prst="rect">
+          <a:avLst/>
+        </a:prstGeom>
+        <a:blipFill>
+          <a:blip xmlns:r="http://schemas.openxmlformats.org/officeDocument/2006/relationships" r:embed="rId9">
+            <a:extLst>
+              <a:ext uri="{28A0092B-C50C-407E-A947-70E740481C1C}">
+                <a14:useLocalDpi xmlns:a14="http://schemas.microsoft.com/office/drawing/2010/main" val="0"/>
+              </a:ext>
+              <a:ext uri="{96DAC541-7B7A-43D3-8B79-37D633B846F1}">
+                <asvg:svgBlip xmlns:asvg="http://schemas.microsoft.com/office/drawing/2016/SVG/main" r:embed="rId10"/>
+              </a:ext>
+            </a:extLst>
+          </a:blip>
+          <a:stretch>
+            <a:fillRect/>
+          </a:stretch>
+        </a:blipFill>
+        <a:ln w="12700" cap="flat" cmpd="sng" algn="ctr">
+          <a:noFill/>
+          <a:prstDash val="solid"/>
+          <a:miter lim="800000"/>
+        </a:ln>
+        <a:effectLst/>
+      </dsp:spPr>
+      <dsp:style>
+        <a:lnRef idx="2">
+          <a:scrgbClr r="0" g="0" b="0"/>
+        </a:lnRef>
+        <a:fillRef idx="1">
+          <a:scrgbClr r="0" g="0" b="0"/>
+        </a:fillRef>
+        <a:effectRef idx="0">
+          <a:scrgbClr r="0" g="0" b="0"/>
+        </a:effectRef>
+        <a:fontRef idx="minor">
+          <a:schemeClr val="lt1"/>
+        </a:fontRef>
+      </dsp:style>
+    </dsp:sp>
+    <dsp:sp modelId="{5DBA5D4D-8892-496E-BD11-EBC762D1A205}">
+      <dsp:nvSpPr>
+        <dsp:cNvPr id="0" name=""/>
+        <dsp:cNvSpPr/>
+      </dsp:nvSpPr>
+      <dsp:spPr>
+        <a:xfrm>
+          <a:off x="938804" y="4065995"/>
+          <a:ext cx="5649886" cy="812817"/>
+        </a:xfrm>
+        <a:prstGeom prst="rect">
+          <a:avLst/>
+        </a:prstGeom>
+        <a:noFill/>
+        <a:ln>
+          <a:noFill/>
+        </a:ln>
+        <a:effectLst/>
+      </dsp:spPr>
+      <dsp:style>
+        <a:lnRef idx="0">
+          <a:scrgbClr r="0" g="0" b="0"/>
+        </a:lnRef>
+        <a:fillRef idx="0">
+          <a:scrgbClr r="0" g="0" b="0"/>
+        </a:fillRef>
+        <a:effectRef idx="0">
+          <a:scrgbClr r="0" g="0" b="0"/>
+        </a:effectRef>
+        <a:fontRef idx="minor"/>
+      </dsp:style>
+      <dsp:txBody>
+        <a:bodyPr spcFirstLastPara="0" vert="horz" wrap="square" lIns="86023" tIns="86023" rIns="86023" bIns="86023" numCol="1" spcCol="1270" anchor="ctr" anchorCtr="0">
+          <a:noAutofit/>
+        </a:bodyPr>
+        <a:lstStyle/>
+        <a:p>
+          <a:pPr marL="0" lvl="0" indent="0" algn="l" defTabSz="844550">
+            <a:lnSpc>
+              <a:spcPct val="100000"/>
+            </a:lnSpc>
+            <a:spcBef>
+              <a:spcPct val="0"/>
+            </a:spcBef>
+            <a:spcAft>
+              <a:spcPct val="35000"/>
+            </a:spcAft>
+            <a:buNone/>
+          </a:pPr>
+          <a:r>
+            <a:rPr lang="en-US" sz="1900" kern="1200"/>
+            <a:t>BER Plot</a:t>
+          </a:r>
+        </a:p>
+      </dsp:txBody>
+      <dsp:txXfrm>
+        <a:off x="938804" y="4065995"/>
+        <a:ext cx="5649886" cy="812817"/>
+      </dsp:txXfrm>
+    </dsp:sp>
+    <dsp:sp modelId="{23D2622F-8B40-49FA-A0A4-268A5005C5C8}">
+      <dsp:nvSpPr>
+        <dsp:cNvPr id="0" name=""/>
+        <dsp:cNvSpPr/>
+      </dsp:nvSpPr>
+      <dsp:spPr>
+        <a:xfrm>
+          <a:off x="0" y="5082017"/>
+          <a:ext cx="6588691" cy="812817"/>
+        </a:xfrm>
+        <a:prstGeom prst="roundRect">
+          <a:avLst>
+            <a:gd name="adj" fmla="val 10000"/>
+          </a:avLst>
+        </a:prstGeom>
+        <a:solidFill>
+          <a:schemeClr val="bg1">
+            <a:lumMod val="95000"/>
+            <a:hueOff val="0"/>
+            <a:satOff val="0"/>
+            <a:lumOff val="0"/>
+            <a:alphaOff val="0"/>
+          </a:schemeClr>
+        </a:solidFill>
+        <a:ln>
+          <a:noFill/>
+        </a:ln>
+        <a:effectLst/>
+      </dsp:spPr>
+      <dsp:style>
+        <a:lnRef idx="0">
+          <a:scrgbClr r="0" g="0" b="0"/>
+        </a:lnRef>
+        <a:fillRef idx="1">
+          <a:scrgbClr r="0" g="0" b="0"/>
+        </a:fillRef>
+        <a:effectRef idx="0">
+          <a:scrgbClr r="0" g="0" b="0"/>
+        </a:effectRef>
+        <a:fontRef idx="minor"/>
+      </dsp:style>
+    </dsp:sp>
+    <dsp:sp modelId="{A042FDD1-5FC7-4669-B41F-2CEFAD83F872}">
+      <dsp:nvSpPr>
+        <dsp:cNvPr id="0" name=""/>
+        <dsp:cNvSpPr/>
+      </dsp:nvSpPr>
+      <dsp:spPr>
+        <a:xfrm>
+          <a:off x="245877" y="5264901"/>
+          <a:ext cx="447049" cy="447049"/>
+        </a:xfrm>
+        <a:prstGeom prst="rect">
+          <a:avLst/>
+        </a:prstGeom>
+        <a:blipFill>
+          <a:blip xmlns:r="http://schemas.openxmlformats.org/officeDocument/2006/relationships" r:embed="rId11">
+            <a:extLst>
+              <a:ext uri="{28A0092B-C50C-407E-A947-70E740481C1C}">
+                <a14:useLocalDpi xmlns:a14="http://schemas.microsoft.com/office/drawing/2010/main" val="0"/>
+              </a:ext>
+              <a:ext uri="{96DAC541-7B7A-43D3-8B79-37D633B846F1}">
+                <asvg:svgBlip xmlns:asvg="http://schemas.microsoft.com/office/drawing/2016/SVG/main" r:embed="rId12"/>
+              </a:ext>
+            </a:extLst>
+          </a:blip>
+          <a:stretch>
+            <a:fillRect/>
+          </a:stretch>
+        </a:blipFill>
+        <a:ln w="12700" cap="flat" cmpd="sng" algn="ctr">
+          <a:noFill/>
+          <a:prstDash val="solid"/>
+          <a:miter lim="800000"/>
+        </a:ln>
+        <a:effectLst/>
+      </dsp:spPr>
+      <dsp:style>
+        <a:lnRef idx="2">
+          <a:scrgbClr r="0" g="0" b="0"/>
+        </a:lnRef>
+        <a:fillRef idx="1">
+          <a:scrgbClr r="0" g="0" b="0"/>
+        </a:fillRef>
+        <a:effectRef idx="0">
+          <a:scrgbClr r="0" g="0" b="0"/>
+        </a:effectRef>
+        <a:fontRef idx="minor">
+          <a:schemeClr val="lt1"/>
+        </a:fontRef>
+      </dsp:style>
+    </dsp:sp>
+    <dsp:sp modelId="{9C21A91B-A800-40DC-9B47-7231552F9D57}">
+      <dsp:nvSpPr>
+        <dsp:cNvPr id="0" name=""/>
+        <dsp:cNvSpPr/>
+      </dsp:nvSpPr>
+      <dsp:spPr>
+        <a:xfrm>
+          <a:off x="938804" y="5082017"/>
+          <a:ext cx="5649886" cy="812817"/>
+        </a:xfrm>
+        <a:prstGeom prst="rect">
+          <a:avLst/>
+        </a:prstGeom>
+        <a:noFill/>
+        <a:ln>
+          <a:noFill/>
+        </a:ln>
+        <a:effectLst/>
+      </dsp:spPr>
+      <dsp:style>
+        <a:lnRef idx="0">
+          <a:scrgbClr r="0" g="0" b="0"/>
+        </a:lnRef>
+        <a:fillRef idx="0">
+          <a:scrgbClr r="0" g="0" b="0"/>
+        </a:fillRef>
+        <a:effectRef idx="0">
+          <a:scrgbClr r="0" g="0" b="0"/>
+        </a:effectRef>
+        <a:fontRef idx="minor"/>
+      </dsp:style>
+      <dsp:txBody>
+        <a:bodyPr spcFirstLastPara="0" vert="horz" wrap="square" lIns="86023" tIns="86023" rIns="86023" bIns="86023" numCol="1" spcCol="1270" anchor="ctr" anchorCtr="0">
+          <a:noAutofit/>
+        </a:bodyPr>
+        <a:lstStyle/>
+        <a:p>
+          <a:pPr marL="0" lvl="0" indent="0" algn="l" defTabSz="844550">
+            <a:lnSpc>
+              <a:spcPct val="100000"/>
+            </a:lnSpc>
+            <a:spcBef>
+              <a:spcPct val="0"/>
+            </a:spcBef>
+            <a:spcAft>
+              <a:spcPct val="35000"/>
+            </a:spcAft>
+            <a:buNone/>
+          </a:pPr>
+          <a:r>
+            <a:rPr lang="en-US" sz="1900" kern="1200"/>
+            <a:t>New Sweep Plots</a:t>
+          </a:r>
+        </a:p>
+      </dsp:txBody>
+      <dsp:txXfrm>
+        <a:off x="938804" y="5082017"/>
+        <a:ext cx="5649886" cy="812817"/>
       </dsp:txXfrm>
     </dsp:sp>
   </dsp:spTree>
@@ -12919,8 +13429,8 @@
           <a:lstStyle/>
           <a:p>
             <a:r>
-              <a:rPr lang="en-US" sz="5800"/>
-              <a:t>Updates 6/2/20</a:t>
+              <a:rPr lang="en-US" sz="5800" dirty="0"/>
+              <a:t>Updates 6/3/20</a:t>
             </a:r>
           </a:p>
         </p:txBody>
@@ -15664,7 +16174,7 @@
       </p:grpSpPr>
       <p:sp>
         <p:nvSpPr>
-          <p:cNvPr id="23" name="Rectangle 22">
+          <p:cNvPr id="63" name="Rectangle 62">
             <a:extLst>
               <a:ext uri="{FF2B5EF4-FFF2-40B4-BE49-F238E27FC236}">
                 <a16:creationId xmlns:a16="http://schemas.microsoft.com/office/drawing/2014/main" id="{3A5B4632-C963-4296-86F0-79AA9EA5AE98}"/>
@@ -15788,7 +16298,7 @@
             <p:ph idx="1"/>
             <p:extLst>
               <p:ext uri="{D42A27DB-BD31-4B8C-83A1-F6EECF244321}">
-                <p14:modId xmlns:p14="http://schemas.microsoft.com/office/powerpoint/2010/main" val="2213691856"/>
+                <p14:modId xmlns:p14="http://schemas.microsoft.com/office/powerpoint/2010/main" val="2945033120"/>
               </p:ext>
             </p:extLst>
           </p:nvPr>
@@ -18220,6 +18730,487 @@
       </p:grpSpPr>
       <p:sp>
         <p:nvSpPr>
+          <p:cNvPr id="13" name="Rectangle 12">
+            <a:extLst>
+              <a:ext uri="{FF2B5EF4-FFF2-40B4-BE49-F238E27FC236}">
+                <a16:creationId xmlns:a16="http://schemas.microsoft.com/office/drawing/2014/main" id="{B8D412AD-9CF4-4510-97DC-34D6CC830887}"/>
+              </a:ext>
+              <a:ext uri="{C183D7F6-B498-43B3-948B-1728B52AA6E4}">
+                <adec:decorative xmlns:adec="http://schemas.microsoft.com/office/drawing/2017/decorative" val="1"/>
+              </a:ext>
+            </a:extLst>
+          </p:cNvPr>
+          <p:cNvSpPr>
+            <a:spLocks noGrp="1" noRot="1" noChangeAspect="1" noMove="1" noResize="1" noEditPoints="1" noAdjustHandles="1" noChangeArrowheads="1" noChangeShapeType="1" noTextEdit="1"/>
+          </p:cNvSpPr>
+          <p:nvPr>
+            <p:extLst>
+              <p:ext uri="{386F3935-93C4-4BCD-93E2-E3B085C9AB24}">
+                <p16:designElem xmlns:p16="http://schemas.microsoft.com/office/powerpoint/2015/main" val="1"/>
+              </p:ext>
+            </p:extLst>
+          </p:nvPr>
+        </p:nvSpPr>
+        <p:spPr bwMode="ltGray">
+          <a:xfrm>
+            <a:off x="643467" y="691992"/>
+            <a:ext cx="4025724" cy="5522542"/>
+          </a:xfrm>
+          <a:prstGeom prst="rect">
+            <a:avLst/>
+          </a:prstGeom>
+          <a:solidFill>
+            <a:srgbClr val="404040"/>
+          </a:solidFill>
+          <a:ln w="127000" cap="sq" cmpd="thinThick">
+            <a:solidFill>
+              <a:srgbClr val="404040"/>
+            </a:solidFill>
+          </a:ln>
+        </p:spPr>
+        <p:style>
+          <a:lnRef idx="2">
+            <a:schemeClr val="accent1">
+              <a:shade val="50000"/>
+            </a:schemeClr>
+          </a:lnRef>
+          <a:fillRef idx="1">
+            <a:schemeClr val="accent1"/>
+          </a:fillRef>
+          <a:effectRef idx="0">
+            <a:schemeClr val="accent1"/>
+          </a:effectRef>
+          <a:fontRef idx="minor">
+            <a:schemeClr val="lt1"/>
+          </a:fontRef>
+        </p:style>
+        <p:txBody>
+          <a:bodyPr rtlCol="0" anchor="ctr"/>
+          <a:lstStyle/>
+          <a:p>
+            <a:pPr marL="0" marR="0" lvl="0" indent="0" algn="ctr" defTabSz="914400" rtl="0" eaLnBrk="1" fontAlgn="auto" latinLnBrk="0" hangingPunct="1">
+              <a:lnSpc>
+                <a:spcPct val="100000"/>
+              </a:lnSpc>
+              <a:spcBef>
+                <a:spcPts val="0"/>
+              </a:spcBef>
+              <a:spcAft>
+                <a:spcPts val="0"/>
+              </a:spcAft>
+              <a:buClrTx/>
+              <a:buSzTx/>
+              <a:buFontTx/>
+              <a:buNone/>
+              <a:tabLst/>
+              <a:defRPr/>
+            </a:pPr>
+            <a:endParaRPr kumimoji="0" lang="en-US" sz="1800" b="0" i="0" u="none" strike="noStrike" kern="1200" cap="none" spc="0" normalizeH="0" baseline="0" noProof="0">
+              <a:ln>
+                <a:noFill/>
+              </a:ln>
+              <a:solidFill>
+                <a:prstClr val="white"/>
+              </a:solidFill>
+              <a:effectLst/>
+              <a:uLnTx/>
+              <a:uFillTx/>
+              <a:latin typeface="Calibri" panose="020F0502020204030204"/>
+              <a:ea typeface="+mn-ea"/>
+              <a:cs typeface="+mn-cs"/>
+            </a:endParaRPr>
+          </a:p>
+        </p:txBody>
+      </p:sp>
+      <p:sp>
+        <p:nvSpPr>
+          <p:cNvPr id="2" name="Title 1">
+            <a:extLst>
+              <a:ext uri="{FF2B5EF4-FFF2-40B4-BE49-F238E27FC236}">
+                <a16:creationId xmlns:a16="http://schemas.microsoft.com/office/drawing/2014/main" id="{85216543-DA0C-504D-9073-ECA05A4BAF3F}"/>
+              </a:ext>
+            </a:extLst>
+          </p:cNvPr>
+          <p:cNvSpPr>
+            <a:spLocks noGrp="1"/>
+          </p:cNvSpPr>
+          <p:nvPr>
+            <p:ph type="title"/>
+          </p:nvPr>
+        </p:nvSpPr>
+        <p:spPr>
+          <a:xfrm>
+            <a:off x="1072055" y="1019503"/>
+            <a:ext cx="3147848" cy="2065283"/>
+          </a:xfrm>
+        </p:spPr>
+        <p:txBody>
+          <a:bodyPr vert="horz" lIns="91440" tIns="45720" rIns="91440" bIns="45720" rtlCol="0" anchor="b">
+            <a:normAutofit/>
+          </a:bodyPr>
+          <a:lstStyle/>
+          <a:p>
+            <a:r>
+              <a:rPr lang="en-US" sz="4000" kern="1200">
+                <a:solidFill>
+                  <a:srgbClr val="FFFFFF"/>
+                </a:solidFill>
+                <a:latin typeface="+mj-lt"/>
+                <a:ea typeface="+mj-ea"/>
+                <a:cs typeface="+mj-cs"/>
+              </a:rPr>
+              <a:t>ISPP</a:t>
+            </a:r>
+          </a:p>
+        </p:txBody>
+      </p:sp>
+      <p:cxnSp>
+        <p:nvCxnSpPr>
+          <p:cNvPr id="15" name="Straight Connector 14">
+            <a:extLst>
+              <a:ext uri="{FF2B5EF4-FFF2-40B4-BE49-F238E27FC236}">
+                <a16:creationId xmlns:a16="http://schemas.microsoft.com/office/drawing/2014/main" id="{E8FC89CA-47F1-4934-B283-0E52680A131B}"/>
+              </a:ext>
+              <a:ext uri="{C183D7F6-B498-43B3-948B-1728B52AA6E4}">
+                <adec:decorative xmlns:adec="http://schemas.microsoft.com/office/drawing/2017/decorative" val="1"/>
+              </a:ext>
+            </a:extLst>
+          </p:cNvPr>
+          <p:cNvCxnSpPr>
+            <a:cxnSpLocks noGrp="1" noRot="1" noChangeAspect="1" noMove="1" noResize="1" noEditPoints="1" noAdjustHandles="1" noChangeArrowheads="1" noChangeShapeType="1"/>
+          </p:cNvCxnSpPr>
+          <p:nvPr>
+            <p:extLst>
+              <p:ext uri="{386F3935-93C4-4BCD-93E2-E3B085C9AB24}">
+                <p16:designElem xmlns:p16="http://schemas.microsoft.com/office/powerpoint/2015/main" val="1"/>
+              </p:ext>
+            </p:extLst>
+          </p:nvPr>
+        </p:nvCxnSpPr>
+        <p:spPr>
+          <a:xfrm>
+            <a:off x="1120600" y="3163562"/>
+            <a:ext cx="3108960" cy="0"/>
+          </a:xfrm>
+          <a:prstGeom prst="line">
+            <a:avLst/>
+          </a:prstGeom>
+          <a:ln w="22225">
+            <a:solidFill>
+              <a:srgbClr val="E7E6E6"/>
+            </a:solidFill>
+          </a:ln>
+        </p:spPr>
+        <p:style>
+          <a:lnRef idx="1">
+            <a:schemeClr val="accent1"/>
+          </a:lnRef>
+          <a:fillRef idx="0">
+            <a:schemeClr val="accent1"/>
+          </a:fillRef>
+          <a:effectRef idx="0">
+            <a:schemeClr val="accent1"/>
+          </a:effectRef>
+          <a:fontRef idx="minor">
+            <a:schemeClr val="tx1"/>
+          </a:fontRef>
+        </p:style>
+      </p:cxnSp>
+      <p:sp>
+        <p:nvSpPr>
+          <p:cNvPr id="5" name="Content Placeholder 4">
+            <a:extLst>
+              <a:ext uri="{FF2B5EF4-FFF2-40B4-BE49-F238E27FC236}">
+                <a16:creationId xmlns:a16="http://schemas.microsoft.com/office/drawing/2014/main" id="{6F049E91-759B-504D-BDA6-A6823B732866}"/>
+              </a:ext>
+            </a:extLst>
+          </p:cNvPr>
+          <p:cNvSpPr>
+            <a:spLocks noGrp="1"/>
+          </p:cNvSpPr>
+          <p:nvPr>
+            <p:ph sz="half" idx="1"/>
+          </p:nvPr>
+        </p:nvSpPr>
+        <p:spPr>
+          <a:xfrm>
+            <a:off x="1072056" y="3247283"/>
+            <a:ext cx="3147848" cy="2228608"/>
+          </a:xfrm>
+        </p:spPr>
+        <p:txBody>
+          <a:bodyPr vert="horz" lIns="91440" tIns="45720" rIns="91440" bIns="45720" rtlCol="0">
+            <a:normAutofit/>
+          </a:bodyPr>
+          <a:lstStyle/>
+          <a:p>
+            <a:r>
+              <a:rPr lang="en-US" sz="1800">
+                <a:solidFill>
+                  <a:srgbClr val="FFFFFF"/>
+                </a:solidFill>
+              </a:rPr>
+              <a:t>Starts at 2.23V and steps by 0.06V for optimum</a:t>
+            </a:r>
+          </a:p>
+          <a:p>
+            <a:pPr marL="0"/>
+            <a:endParaRPr lang="en-US" sz="1800">
+              <a:solidFill>
+                <a:srgbClr val="FFFFFF"/>
+              </a:solidFill>
+            </a:endParaRPr>
+          </a:p>
+        </p:txBody>
+      </p:sp>
+      <p:pic>
+        <p:nvPicPr>
+          <p:cNvPr id="8" name="Content Placeholder 7">
+            <a:extLst>
+              <a:ext uri="{FF2B5EF4-FFF2-40B4-BE49-F238E27FC236}">
+                <a16:creationId xmlns:a16="http://schemas.microsoft.com/office/drawing/2014/main" id="{06059C08-72C8-A84F-A35A-1C96DF8325D4}"/>
+              </a:ext>
+            </a:extLst>
+          </p:cNvPr>
+          <p:cNvPicPr>
+            <a:picLocks noGrp="1" noChangeAspect="1"/>
+          </p:cNvPicPr>
+          <p:nvPr>
+            <p:ph sz="half" idx="2"/>
+          </p:nvPr>
+        </p:nvPicPr>
+        <p:blipFill>
+          <a:blip r:embed="rId2"/>
+          <a:stretch>
+            <a:fillRect/>
+          </a:stretch>
+        </p:blipFill>
+        <p:spPr>
+          <a:xfrm>
+            <a:off x="5479176" y="1286934"/>
+            <a:ext cx="5806720" cy="4355040"/>
+          </a:xfrm>
+          <a:prstGeom prst="rect">
+            <a:avLst/>
+          </a:prstGeom>
+        </p:spPr>
+      </p:pic>
+    </p:spTree>
+    <p:extLst>
+      <p:ext uri="{BB962C8B-B14F-4D97-AF65-F5344CB8AC3E}">
+        <p14:creationId xmlns:p14="http://schemas.microsoft.com/office/powerpoint/2010/main" val="1380246583"/>
+      </p:ext>
+    </p:extLst>
+  </p:cSld>
+  <p:clrMapOvr>
+    <a:masterClrMapping/>
+  </p:clrMapOvr>
+</p:sld>
+</file>
+
+<file path=ppt/slides/slide23.xml><?xml version="1.0" encoding="utf-8"?>
+<p:sld xmlns:a="http://schemas.openxmlformats.org/drawingml/2006/main" xmlns:r="http://schemas.openxmlformats.org/officeDocument/2006/relationships" xmlns:p="http://schemas.openxmlformats.org/presentationml/2006/main">
+  <p:cSld>
+    <p:bg>
+      <p:bgPr>
+        <a:solidFill>
+          <a:schemeClr val="bg1"/>
+        </a:solidFill>
+        <a:effectLst/>
+      </p:bgPr>
+    </p:bg>
+    <p:spTree>
+      <p:nvGrpSpPr>
+        <p:cNvPr id="1" name=""/>
+        <p:cNvGrpSpPr/>
+        <p:nvPr/>
+      </p:nvGrpSpPr>
+      <p:grpSpPr>
+        <a:xfrm>
+          <a:off x="0" y="0"/>
+          <a:ext cx="0" cy="0"/>
+          <a:chOff x="0" y="0"/>
+          <a:chExt cx="0" cy="0"/>
+        </a:xfrm>
+      </p:grpSpPr>
+      <p:sp>
+        <p:nvSpPr>
+          <p:cNvPr id="17" name="Rectangle 16">
+            <a:extLst>
+              <a:ext uri="{FF2B5EF4-FFF2-40B4-BE49-F238E27FC236}">
+                <a16:creationId xmlns:a16="http://schemas.microsoft.com/office/drawing/2014/main" id="{1707FC24-6981-43D9-B525-C7832BA22463}"/>
+              </a:ext>
+              <a:ext uri="{C183D7F6-B498-43B3-948B-1728B52AA6E4}">
+                <adec:decorative xmlns:adec="http://schemas.microsoft.com/office/drawing/2017/decorative" val="1"/>
+              </a:ext>
+            </a:extLst>
+          </p:cNvPr>
+          <p:cNvSpPr>
+            <a:spLocks noGrp="1" noRot="1" noChangeAspect="1" noMove="1" noResize="1" noEditPoints="1" noAdjustHandles="1" noChangeArrowheads="1" noChangeShapeType="1" noTextEdit="1"/>
+          </p:cNvSpPr>
+          <p:nvPr>
+            <p:extLst>
+              <p:ext uri="{386F3935-93C4-4BCD-93E2-E3B085C9AB24}">
+                <p16:designElem xmlns:p16="http://schemas.microsoft.com/office/powerpoint/2015/main" val="1"/>
+              </p:ext>
+            </p:extLst>
+          </p:nvPr>
+        </p:nvSpPr>
+        <p:spPr bwMode="ltGray">
+          <a:xfrm>
+            <a:off x="336884" y="311449"/>
+            <a:ext cx="4332307" cy="6179552"/>
+          </a:xfrm>
+          <a:prstGeom prst="rect">
+            <a:avLst/>
+          </a:prstGeom>
+          <a:solidFill>
+            <a:srgbClr val="404040"/>
+          </a:solidFill>
+          <a:ln w="127000" cap="sq" cmpd="thinThick">
+            <a:solidFill>
+              <a:srgbClr val="404040"/>
+            </a:solidFill>
+          </a:ln>
+        </p:spPr>
+        <p:style>
+          <a:lnRef idx="2">
+            <a:schemeClr val="accent1">
+              <a:shade val="50000"/>
+            </a:schemeClr>
+          </a:lnRef>
+          <a:fillRef idx="1">
+            <a:schemeClr val="accent1"/>
+          </a:fillRef>
+          <a:effectRef idx="0">
+            <a:schemeClr val="accent1"/>
+          </a:effectRef>
+          <a:fontRef idx="minor">
+            <a:schemeClr val="lt1"/>
+          </a:fontRef>
+        </p:style>
+        <p:txBody>
+          <a:bodyPr rtlCol="0" anchor="ctr"/>
+          <a:lstStyle/>
+          <a:p>
+            <a:pPr algn="ctr"/>
+            <a:endParaRPr lang="en-US"/>
+          </a:p>
+        </p:txBody>
+      </p:sp>
+      <p:sp>
+        <p:nvSpPr>
+          <p:cNvPr id="2" name="Title 1">
+            <a:extLst>
+              <a:ext uri="{FF2B5EF4-FFF2-40B4-BE49-F238E27FC236}">
+                <a16:creationId xmlns:a16="http://schemas.microsoft.com/office/drawing/2014/main" id="{ECF0C472-0693-334E-BE70-E570D55AC7D8}"/>
+              </a:ext>
+            </a:extLst>
+          </p:cNvPr>
+          <p:cNvSpPr>
+            <a:spLocks noGrp="1"/>
+          </p:cNvSpPr>
+          <p:nvPr>
+            <p:ph type="title"/>
+          </p:nvPr>
+        </p:nvSpPr>
+        <p:spPr>
+          <a:xfrm>
+            <a:off x="742950" y="742951"/>
+            <a:ext cx="3476625" cy="4962524"/>
+          </a:xfrm>
+        </p:spPr>
+        <p:txBody>
+          <a:bodyPr vert="horz" lIns="91440" tIns="45720" rIns="91440" bIns="45720" rtlCol="0" anchor="ctr">
+            <a:normAutofit/>
+          </a:bodyPr>
+          <a:lstStyle/>
+          <a:p>
+            <a:pPr algn="ctr"/>
+            <a:r>
+              <a:rPr lang="en-US" sz="4800" kern="1200" dirty="0">
+                <a:solidFill>
+                  <a:srgbClr val="FFFFFF"/>
+                </a:solidFill>
+                <a:latin typeface="+mj-lt"/>
+                <a:ea typeface="+mj-ea"/>
+                <a:cs typeface="+mj-cs"/>
+              </a:rPr>
+              <a:t>BER Plot</a:t>
+            </a:r>
+          </a:p>
+        </p:txBody>
+      </p:sp>
+      <p:pic>
+        <p:nvPicPr>
+          <p:cNvPr id="7" name="Content Placeholder 6">
+            <a:extLst>
+              <a:ext uri="{FF2B5EF4-FFF2-40B4-BE49-F238E27FC236}">
+                <a16:creationId xmlns:a16="http://schemas.microsoft.com/office/drawing/2014/main" id="{122ED117-5505-DE4F-8ED5-A654E4BBB291}"/>
+              </a:ext>
+            </a:extLst>
+          </p:cNvPr>
+          <p:cNvPicPr>
+            <a:picLocks noGrp="1" noChangeAspect="1"/>
+          </p:cNvPicPr>
+          <p:nvPr>
+            <p:ph idx="1"/>
+          </p:nvPr>
+        </p:nvPicPr>
+        <p:blipFill>
+          <a:blip r:embed="rId2"/>
+          <a:stretch/>
+        </p:blipFill>
+        <p:spPr>
+          <a:xfrm>
+            <a:off x="5153822" y="975392"/>
+            <a:ext cx="6553544" cy="4915158"/>
+          </a:xfrm>
+          <a:prstGeom prst="rect">
+            <a:avLst/>
+          </a:prstGeom>
+        </p:spPr>
+      </p:pic>
+    </p:spTree>
+    <p:extLst>
+      <p:ext uri="{BB962C8B-B14F-4D97-AF65-F5344CB8AC3E}">
+        <p14:creationId xmlns:p14="http://schemas.microsoft.com/office/powerpoint/2010/main" val="4210916859"/>
+      </p:ext>
+    </p:extLst>
+  </p:cSld>
+  <p:clrMapOvr>
+    <a:masterClrMapping/>
+  </p:clrMapOvr>
+</p:sld>
+</file>
+
+<file path=ppt/slides/slide24.xml><?xml version="1.0" encoding="utf-8"?>
+<p:sld xmlns:a="http://schemas.openxmlformats.org/drawingml/2006/main" xmlns:r="http://schemas.openxmlformats.org/officeDocument/2006/relationships" xmlns:p="http://schemas.openxmlformats.org/presentationml/2006/main">
+  <p:cSld>
+    <p:bg>
+      <p:bgPr>
+        <a:solidFill>
+          <a:schemeClr val="bg1"/>
+        </a:solidFill>
+        <a:effectLst/>
+      </p:bgPr>
+    </p:bg>
+    <p:spTree>
+      <p:nvGrpSpPr>
+        <p:cNvPr id="1" name=""/>
+        <p:cNvGrpSpPr/>
+        <p:nvPr/>
+      </p:nvGrpSpPr>
+      <p:grpSpPr>
+        <a:xfrm>
+          <a:off x="0" y="0"/>
+          <a:ext cx="0" cy="0"/>
+          <a:chOff x="0" y="0"/>
+          <a:chExt cx="0" cy="0"/>
+        </a:xfrm>
+      </p:grpSpPr>
+      <p:sp>
+        <p:nvSpPr>
           <p:cNvPr id="2" name="Title 1">
             <a:extLst>
               <a:ext uri="{FF2B5EF4-FFF2-40B4-BE49-F238E27FC236}">
@@ -18247,8 +19238,8 @@
           <a:lstStyle/>
           <a:p>
             <a:r>
-              <a:rPr lang="en-US"/>
-              <a:t>New Plots</a:t>
+              <a:rPr lang="en-US" dirty="0"/>
+              <a:t>New Sweep Plots</a:t>
             </a:r>
           </a:p>
         </p:txBody>
